--- a/Video Ver1/Video PPT/29. Inner-equi Joins.pptx
+++ b/Video Ver1/Video PPT/29. Inner-equi Joins.pptx
@@ -10,9 +10,9 @@
   <p:sldIdLst>
     <p:sldId id="507" r:id="rId2"/>
     <p:sldId id="508" r:id="rId3"/>
-    <p:sldId id="501" r:id="rId4"/>
-    <p:sldId id="502" r:id="rId5"/>
-    <p:sldId id="506" r:id="rId6"/>
+    <p:sldId id="502" r:id="rId4"/>
+    <p:sldId id="506" r:id="rId5"/>
+    <p:sldId id="509" r:id="rId6"/>
   </p:sldIdLst>
   <p:sldSz cx="12190413" cy="6858000"/>
   <p:notesSz cx="6858000" cy="9144000"/>
@@ -113,648 +113,44 @@
   </p:defaultTextStyle>
   <p:extLst>
     <p:ext uri="{521415D9-36F7-43E2-AB2F-B90AF26B5E84}">
-      <p14:sectionLst xmlns:p14="http://schemas.microsoft.com/office/powerpoint/2010/main" xmlns="">
+      <p14:sectionLst xmlns="" xmlns:p14="http://schemas.microsoft.com/office/powerpoint/2010/main">
         <p14:section name="Introduction" id="{A3D14946-8297-4856-B082-4FEFA482017C}">
-          <p14:sldIdLst>
-            <p14:sldId id="282"/>
-            <p14:sldId id="257"/>
-            <p14:sldId id="1096"/>
-            <p14:sldId id="1098"/>
-            <p14:sldId id="1093"/>
-            <p14:sldId id="1094"/>
-            <p14:sldId id="1095"/>
-            <p14:sldId id="262"/>
-            <p14:sldId id="1082"/>
-            <p14:sldId id="1099"/>
-            <p14:sldId id="266"/>
-            <p14:sldId id="1100"/>
-            <p14:sldId id="1085"/>
-            <p14:sldId id="1083"/>
-            <p14:sldId id="1070"/>
-            <p14:sldId id="269"/>
-            <p14:sldId id="270"/>
-            <p14:sldId id="271"/>
-            <p14:sldId id="267"/>
-            <p14:sldId id="272"/>
-            <p14:sldId id="273"/>
-          </p14:sldIdLst>
+          <p14:sldIdLst/>
         </p14:section>
         <p14:section name="Data Defination Language" id="{347E00EC-A70B-42D3-B55A-27753B89E162}">
-          <p14:sldIdLst>
-            <p14:sldId id="283"/>
-            <p14:sldId id="274"/>
-            <p14:sldId id="275"/>
-            <p14:sldId id="276"/>
-            <p14:sldId id="285"/>
-            <p14:sldId id="286"/>
-            <p14:sldId id="289"/>
-            <p14:sldId id="290"/>
-            <p14:sldId id="291"/>
-            <p14:sldId id="866"/>
-            <p14:sldId id="292"/>
-            <p14:sldId id="293"/>
-            <p14:sldId id="294"/>
-            <p14:sldId id="295"/>
-            <p14:sldId id="296"/>
-            <p14:sldId id="297"/>
-            <p14:sldId id="298"/>
-            <p14:sldId id="300"/>
-            <p14:sldId id="301"/>
-            <p14:sldId id="302"/>
-            <p14:sldId id="1104"/>
-            <p14:sldId id="1147"/>
-            <p14:sldId id="1150"/>
-            <p14:sldId id="305"/>
-            <p14:sldId id="1151"/>
-            <p14:sldId id="306"/>
-            <p14:sldId id="307"/>
-            <p14:sldId id="308"/>
-            <p14:sldId id="1105"/>
-            <p14:sldId id="1148"/>
-            <p14:sldId id="1152"/>
-            <p14:sldId id="311"/>
-            <p14:sldId id="1153"/>
-            <p14:sldId id="312"/>
-            <p14:sldId id="313"/>
-            <p14:sldId id="314"/>
-            <p14:sldId id="315"/>
-            <p14:sldId id="316"/>
-            <p14:sldId id="1158"/>
-            <p14:sldId id="1156"/>
-            <p14:sldId id="1109"/>
-            <p14:sldId id="1157"/>
-            <p14:sldId id="1110"/>
-            <p14:sldId id="319"/>
-            <p14:sldId id="847"/>
-            <p14:sldId id="320"/>
-            <p14:sldId id="1149"/>
-            <p14:sldId id="1111"/>
-            <p14:sldId id="1154"/>
-            <p14:sldId id="1107"/>
-            <p14:sldId id="1155"/>
-            <p14:sldId id="1108"/>
-            <p14:sldId id="1106"/>
-            <p14:sldId id="321"/>
-            <p14:sldId id="322"/>
-            <p14:sldId id="323"/>
-            <p14:sldId id="324"/>
-            <p14:sldId id="325"/>
-            <p14:sldId id="326"/>
-            <p14:sldId id="327"/>
-            <p14:sldId id="328"/>
-            <p14:sldId id="329"/>
-            <p14:sldId id="330"/>
-            <p14:sldId id="848"/>
-            <p14:sldId id="849"/>
-            <p14:sldId id="851"/>
-            <p14:sldId id="331"/>
-            <p14:sldId id="1144"/>
-            <p14:sldId id="336"/>
-            <p14:sldId id="852"/>
-            <p14:sldId id="334"/>
-            <p14:sldId id="337"/>
-            <p14:sldId id="338"/>
-            <p14:sldId id="339"/>
-            <p14:sldId id="1159"/>
-            <p14:sldId id="1163"/>
-            <p14:sldId id="1160"/>
-            <p14:sldId id="1164"/>
-            <p14:sldId id="1161"/>
-            <p14:sldId id="1165"/>
-            <p14:sldId id="1167"/>
-            <p14:sldId id="1162"/>
-            <p14:sldId id="1166"/>
-            <p14:sldId id="1140"/>
-            <p14:sldId id="340"/>
-            <p14:sldId id="341"/>
-            <p14:sldId id="342"/>
-            <p14:sldId id="343"/>
-            <p14:sldId id="344"/>
-            <p14:sldId id="345"/>
-            <p14:sldId id="346"/>
-            <p14:sldId id="347"/>
-            <p14:sldId id="348"/>
-            <p14:sldId id="349"/>
-            <p14:sldId id="350"/>
-            <p14:sldId id="351"/>
-            <p14:sldId id="352"/>
-            <p14:sldId id="1079"/>
-            <p14:sldId id="1080"/>
-            <p14:sldId id="353"/>
-            <p14:sldId id="354"/>
-            <p14:sldId id="355"/>
-            <p14:sldId id="356"/>
-            <p14:sldId id="357"/>
-            <p14:sldId id="358"/>
-            <p14:sldId id="359"/>
-            <p14:sldId id="360"/>
-            <p14:sldId id="361"/>
-            <p14:sldId id="1131"/>
-            <p14:sldId id="362"/>
-            <p14:sldId id="365"/>
-            <p14:sldId id="366"/>
-          </p14:sldIdLst>
+          <p14:sldIdLst/>
         </p14:section>
         <p14:section name="Data Manuplation Language" id="{DABA1552-33D0-4262-A930-69DA7CCB6843}">
           <p14:sldIdLst>
-            <p14:sldId id="367"/>
-            <p14:sldId id="368"/>
-            <p14:sldId id="369"/>
-            <p14:sldId id="371"/>
-            <p14:sldId id="1126"/>
-            <p14:sldId id="372"/>
-            <p14:sldId id="1125"/>
-            <p14:sldId id="373"/>
-            <p14:sldId id="374"/>
-            <p14:sldId id="375"/>
-            <p14:sldId id="376"/>
-            <p14:sldId id="377"/>
-            <p14:sldId id="380"/>
-            <p14:sldId id="381"/>
-            <p14:sldId id="382"/>
-            <p14:sldId id="383"/>
-            <p14:sldId id="1081"/>
-            <p14:sldId id="384"/>
-            <p14:sldId id="385"/>
-            <p14:sldId id="386"/>
-            <p14:sldId id="387"/>
-            <p14:sldId id="388"/>
-            <p14:sldId id="389"/>
-            <p14:sldId id="390"/>
-            <p14:sldId id="391"/>
-            <p14:sldId id="853"/>
-            <p14:sldId id="1102"/>
-            <p14:sldId id="855"/>
-            <p14:sldId id="856"/>
-            <p14:sldId id="857"/>
-            <p14:sldId id="858"/>
-            <p14:sldId id="393"/>
-            <p14:sldId id="394"/>
-            <p14:sldId id="395"/>
-            <p14:sldId id="397"/>
-            <p14:sldId id="398"/>
-            <p14:sldId id="402"/>
-            <p14:sldId id="403"/>
-            <p14:sldId id="404"/>
-            <p14:sldId id="405"/>
-            <p14:sldId id="406"/>
-            <p14:sldId id="413"/>
-            <p14:sldId id="414"/>
-            <p14:sldId id="415"/>
-            <p14:sldId id="416"/>
-            <p14:sldId id="417"/>
-            <p14:sldId id="418"/>
-            <p14:sldId id="419"/>
-            <p14:sldId id="420"/>
-            <p14:sldId id="421"/>
-            <p14:sldId id="1113"/>
-            <p14:sldId id="1042"/>
-            <p14:sldId id="1114"/>
-            <p14:sldId id="1127"/>
-            <p14:sldId id="1115"/>
-            <p14:sldId id="1116"/>
-            <p14:sldId id="428"/>
-            <p14:sldId id="429"/>
-            <p14:sldId id="1128"/>
-            <p14:sldId id="430"/>
-            <p14:sldId id="431"/>
-            <p14:sldId id="434"/>
-            <p14:sldId id="435"/>
-            <p14:sldId id="436"/>
-            <p14:sldId id="437"/>
-            <p14:sldId id="438"/>
-            <p14:sldId id="443"/>
-            <p14:sldId id="445"/>
-            <p14:sldId id="446"/>
-            <p14:sldId id="440"/>
-            <p14:sldId id="441"/>
-            <p14:sldId id="442"/>
-            <p14:sldId id="453"/>
-            <p14:sldId id="454"/>
-            <p14:sldId id="455"/>
-            <p14:sldId id="456"/>
-            <p14:sldId id="457"/>
-            <p14:sldId id="458"/>
-            <p14:sldId id="459"/>
-            <p14:sldId id="460"/>
-            <p14:sldId id="461"/>
-            <p14:sldId id="462"/>
-            <p14:sldId id="463"/>
-            <p14:sldId id="464"/>
-            <p14:sldId id="467"/>
-            <p14:sldId id="468"/>
-            <p14:sldId id="469"/>
-            <p14:sldId id="470"/>
-            <p14:sldId id="471"/>
-            <p14:sldId id="472"/>
-            <p14:sldId id="473"/>
-            <p14:sldId id="477"/>
-            <p14:sldId id="478"/>
-            <p14:sldId id="479"/>
-            <p14:sldId id="480"/>
-            <p14:sldId id="481"/>
-            <p14:sldId id="482"/>
-            <p14:sldId id="483"/>
-            <p14:sldId id="484"/>
-            <p14:sldId id="485"/>
-            <p14:sldId id="486"/>
-            <p14:sldId id="487"/>
-            <p14:sldId id="488"/>
-            <p14:sldId id="489"/>
-            <p14:sldId id="490"/>
-            <p14:sldId id="491"/>
-            <p14:sldId id="492"/>
-            <p14:sldId id="493"/>
-            <p14:sldId id="494"/>
-            <p14:sldId id="495"/>
-            <p14:sldId id="496"/>
-            <p14:sldId id="497"/>
-            <p14:sldId id="498"/>
-            <p14:sldId id="499"/>
-            <p14:sldId id="500"/>
+            <p14:sldId id="507"/>
+            <p14:sldId id="508"/>
             <p14:sldId id="501"/>
             <p14:sldId id="502"/>
-            <p14:sldId id="504"/>
-            <p14:sldId id="505"/>
             <p14:sldId id="506"/>
-            <p14:sldId id="507"/>
-            <p14:sldId id="508"/>
-            <p14:sldId id="509"/>
-            <p14:sldId id="510"/>
-            <p14:sldId id="511"/>
-            <p14:sldId id="512"/>
-            <p14:sldId id="513"/>
-            <p14:sldId id="514"/>
-            <p14:sldId id="515"/>
-            <p14:sldId id="516"/>
-            <p14:sldId id="517"/>
-            <p14:sldId id="518"/>
-            <p14:sldId id="519"/>
-            <p14:sldId id="520"/>
-            <p14:sldId id="521"/>
-            <p14:sldId id="522"/>
-            <p14:sldId id="523"/>
-            <p14:sldId id="1123"/>
-            <p14:sldId id="524"/>
-            <p14:sldId id="1124"/>
-            <p14:sldId id="525"/>
-            <p14:sldId id="526"/>
-            <p14:sldId id="527"/>
-            <p14:sldId id="1122"/>
-            <p14:sldId id="529"/>
-            <p14:sldId id="530"/>
-            <p14:sldId id="531"/>
-            <p14:sldId id="532"/>
-            <p14:sldId id="533"/>
-            <p14:sldId id="534"/>
-            <p14:sldId id="535"/>
-            <p14:sldId id="536"/>
-            <p14:sldId id="537"/>
-            <p14:sldId id="538"/>
-            <p14:sldId id="539"/>
-            <p14:sldId id="540"/>
-            <p14:sldId id="541"/>
-            <p14:sldId id="542"/>
-            <p14:sldId id="543"/>
-            <p14:sldId id="1121"/>
-            <p14:sldId id="544"/>
-            <p14:sldId id="545"/>
-            <p14:sldId id="546"/>
-            <p14:sldId id="547"/>
-            <p14:sldId id="548"/>
-            <p14:sldId id="549"/>
-            <p14:sldId id="550"/>
-            <p14:sldId id="551"/>
-            <p14:sldId id="552"/>
-            <p14:sldId id="553"/>
-            <p14:sldId id="554"/>
-            <p14:sldId id="555"/>
-            <p14:sldId id="556"/>
-            <p14:sldId id="557"/>
-            <p14:sldId id="558"/>
           </p14:sldIdLst>
         </p14:section>
         <p14:section name="Theory Section" id="{34884AC8-2BB3-410A-B367-3356E05FE22B}">
-          <p14:sldIdLst>
-            <p14:sldId id="618"/>
-            <p14:sldId id="563"/>
-            <p14:sldId id="564"/>
-            <p14:sldId id="565"/>
-            <p14:sldId id="566"/>
-            <p14:sldId id="567"/>
-            <p14:sldId id="570"/>
-            <p14:sldId id="571"/>
-            <p14:sldId id="572"/>
-            <p14:sldId id="573"/>
-            <p14:sldId id="574"/>
-            <p14:sldId id="575"/>
-            <p14:sldId id="576"/>
-            <p14:sldId id="577"/>
-            <p14:sldId id="578"/>
-            <p14:sldId id="579"/>
-            <p14:sldId id="580"/>
-            <p14:sldId id="581"/>
-            <p14:sldId id="582"/>
-            <p14:sldId id="583"/>
-            <p14:sldId id="584"/>
-            <p14:sldId id="585"/>
-            <p14:sldId id="586"/>
-            <p14:sldId id="587"/>
-            <p14:sldId id="588"/>
-            <p14:sldId id="589"/>
-            <p14:sldId id="590"/>
-            <p14:sldId id="1141"/>
-            <p14:sldId id="591"/>
-            <p14:sldId id="1142"/>
-            <p14:sldId id="592"/>
-            <p14:sldId id="593"/>
-            <p14:sldId id="1143"/>
-            <p14:sldId id="594"/>
-            <p14:sldId id="595"/>
-            <p14:sldId id="596"/>
-            <p14:sldId id="597"/>
-            <p14:sldId id="598"/>
-            <p14:sldId id="599"/>
-            <p14:sldId id="602"/>
-            <p14:sldId id="603"/>
-            <p14:sldId id="604"/>
-            <p14:sldId id="605"/>
-            <p14:sldId id="606"/>
-            <p14:sldId id="607"/>
-          </p14:sldIdLst>
+          <p14:sldIdLst/>
         </p14:section>
         <p14:section name="Normatization" id="{EF0E5AD4-5FD4-4F19-A19E-E102405AA098}">
-          <p14:sldIdLst>
-            <p14:sldId id="619"/>
-            <p14:sldId id="620"/>
-            <p14:sldId id="621"/>
-            <p14:sldId id="622"/>
-            <p14:sldId id="623"/>
-            <p14:sldId id="624"/>
-            <p14:sldId id="625"/>
-            <p14:sldId id="626"/>
-            <p14:sldId id="627"/>
-            <p14:sldId id="628"/>
-            <p14:sldId id="629"/>
-            <p14:sldId id="630"/>
-            <p14:sldId id="631"/>
-            <p14:sldId id="860"/>
-            <p14:sldId id="861"/>
-            <p14:sldId id="862"/>
-            <p14:sldId id="632"/>
-            <p14:sldId id="633"/>
-            <p14:sldId id="634"/>
-            <p14:sldId id="1086"/>
-            <p14:sldId id="635"/>
-            <p14:sldId id="1087"/>
-            <p14:sldId id="636"/>
-            <p14:sldId id="637"/>
-            <p14:sldId id="1088"/>
-            <p14:sldId id="638"/>
-            <p14:sldId id="639"/>
-            <p14:sldId id="640"/>
-            <p14:sldId id="641"/>
-          </p14:sldIdLst>
+          <p14:sldIdLst/>
         </p14:section>
         <p14:section name="Stored Procedure and Function" id="{B62913B0-EC9F-4436-BEDC-4DCBF9A2B3AB}">
-          <p14:sldIdLst>
-            <p14:sldId id="642"/>
-            <p14:sldId id="643"/>
-            <p14:sldId id="644"/>
-            <p14:sldId id="645"/>
-            <p14:sldId id="646"/>
-            <p14:sldId id="647"/>
-            <p14:sldId id="648"/>
-            <p14:sldId id="649"/>
-            <p14:sldId id="650"/>
-            <p14:sldId id="651"/>
-            <p14:sldId id="652"/>
-            <p14:sldId id="653"/>
-            <p14:sldId id="654"/>
-            <p14:sldId id="655"/>
-            <p14:sldId id="656"/>
-            <p14:sldId id="657"/>
-            <p14:sldId id="658"/>
-            <p14:sldId id="669"/>
-            <p14:sldId id="670"/>
-            <p14:sldId id="1139"/>
-            <p14:sldId id="661"/>
-            <p14:sldId id="662"/>
-            <p14:sldId id="663"/>
-            <p14:sldId id="1132"/>
-            <p14:sldId id="668"/>
-            <p14:sldId id="672"/>
-            <p14:sldId id="673"/>
-            <p14:sldId id="1136"/>
-            <p14:sldId id="1137"/>
-            <p14:sldId id="1138"/>
-            <p14:sldId id="675"/>
-            <p14:sldId id="676"/>
-            <p14:sldId id="677"/>
-            <p14:sldId id="678"/>
-            <p14:sldId id="679"/>
-            <p14:sldId id="680"/>
-          </p14:sldIdLst>
+          <p14:sldIdLst/>
         </p14:section>
         <p14:section name="Triggers" id="{43413A11-6D7B-4E6D-B88B-1C10283CD29F}">
-          <p14:sldIdLst>
-            <p14:sldId id="681"/>
-            <p14:sldId id="682"/>
-            <p14:sldId id="683"/>
-            <p14:sldId id="684"/>
-            <p14:sldId id="686"/>
-            <p14:sldId id="688"/>
-            <p14:sldId id="1133"/>
-            <p14:sldId id="692"/>
-            <p14:sldId id="1134"/>
-            <p14:sldId id="1135"/>
-            <p14:sldId id="689"/>
-            <p14:sldId id="690"/>
-            <p14:sldId id="691"/>
-            <p14:sldId id="693"/>
-            <p14:sldId id="694"/>
-            <p14:sldId id="695"/>
-            <p14:sldId id="696"/>
-            <p14:sldId id="697"/>
-            <p14:sldId id="698"/>
-          </p14:sldIdLst>
+          <p14:sldIdLst/>
         </p14:section>
         <p14:section name="NoSQL" id="{043CF6B2-E975-4043-812B-33699AD3D23F}">
-          <p14:sldIdLst>
-            <p14:sldId id="699"/>
-            <p14:sldId id="700"/>
-            <p14:sldId id="707"/>
-            <p14:sldId id="701"/>
-            <p14:sldId id="702"/>
-            <p14:sldId id="703"/>
-            <p14:sldId id="704"/>
-            <p14:sldId id="1130"/>
-            <p14:sldId id="705"/>
-            <p14:sldId id="708"/>
-            <p14:sldId id="1089"/>
-            <p14:sldId id="864"/>
-            <p14:sldId id="709"/>
-            <p14:sldId id="710"/>
-            <p14:sldId id="711"/>
-            <p14:sldId id="712"/>
-            <p14:sldId id="713"/>
-            <p14:sldId id="714"/>
-            <p14:sldId id="715"/>
-            <p14:sldId id="716"/>
-            <p14:sldId id="717"/>
-            <p14:sldId id="718"/>
-            <p14:sldId id="719"/>
-            <p14:sldId id="720"/>
-            <p14:sldId id="721"/>
-            <p14:sldId id="722"/>
-            <p14:sldId id="723"/>
-            <p14:sldId id="724"/>
-            <p14:sldId id="725"/>
-            <p14:sldId id="726"/>
-            <p14:sldId id="727"/>
-            <p14:sldId id="728"/>
-            <p14:sldId id="729"/>
-            <p14:sldId id="730"/>
-            <p14:sldId id="731"/>
-            <p14:sldId id="732"/>
-            <p14:sldId id="733"/>
-            <p14:sldId id="734"/>
-            <p14:sldId id="735"/>
-            <p14:sldId id="736"/>
-            <p14:sldId id="737"/>
-            <p14:sldId id="738"/>
-            <p14:sldId id="739"/>
-            <p14:sldId id="740"/>
-            <p14:sldId id="741"/>
-            <p14:sldId id="742"/>
-            <p14:sldId id="743"/>
-            <p14:sldId id="744"/>
-            <p14:sldId id="745"/>
-            <p14:sldId id="746"/>
-            <p14:sldId id="747"/>
-            <p14:sldId id="748"/>
-            <p14:sldId id="749"/>
-            <p14:sldId id="750"/>
-            <p14:sldId id="751"/>
-            <p14:sldId id="752"/>
-            <p14:sldId id="753"/>
-            <p14:sldId id="754"/>
-            <p14:sldId id="755"/>
-            <p14:sldId id="756"/>
-            <p14:sldId id="757"/>
-            <p14:sldId id="758"/>
-            <p14:sldId id="759"/>
-            <p14:sldId id="760"/>
-            <p14:sldId id="761"/>
-            <p14:sldId id="762"/>
-            <p14:sldId id="763"/>
-            <p14:sldId id="764"/>
-            <p14:sldId id="765"/>
-            <p14:sldId id="766"/>
-            <p14:sldId id="767"/>
-            <p14:sldId id="768"/>
-            <p14:sldId id="769"/>
-            <p14:sldId id="770"/>
-            <p14:sldId id="771"/>
-            <p14:sldId id="772"/>
-            <p14:sldId id="773"/>
-            <p14:sldId id="774"/>
-            <p14:sldId id="775"/>
-            <p14:sldId id="776"/>
-            <p14:sldId id="777"/>
-            <p14:sldId id="778"/>
-            <p14:sldId id="779"/>
-            <p14:sldId id="780"/>
-            <p14:sldId id="781"/>
-            <p14:sldId id="782"/>
-            <p14:sldId id="783"/>
-            <p14:sldId id="784"/>
-            <p14:sldId id="785"/>
-            <p14:sldId id="786"/>
-            <p14:sldId id="787"/>
-            <p14:sldId id="788"/>
-            <p14:sldId id="789"/>
-            <p14:sldId id="790"/>
-            <p14:sldId id="791"/>
-            <p14:sldId id="792"/>
-            <p14:sldId id="793"/>
-            <p14:sldId id="794"/>
-            <p14:sldId id="795"/>
-            <p14:sldId id="796"/>
-            <p14:sldId id="797"/>
-            <p14:sldId id="798"/>
-            <p14:sldId id="799"/>
-            <p14:sldId id="800"/>
-            <p14:sldId id="801"/>
-            <p14:sldId id="802"/>
-            <p14:sldId id="803"/>
-            <p14:sldId id="804"/>
-            <p14:sldId id="805"/>
-            <p14:sldId id="806"/>
-            <p14:sldId id="807"/>
-            <p14:sldId id="808"/>
-            <p14:sldId id="809"/>
-            <p14:sldId id="810"/>
-            <p14:sldId id="811"/>
-            <p14:sldId id="812"/>
-            <p14:sldId id="813"/>
-            <p14:sldId id="814"/>
-            <p14:sldId id="815"/>
-            <p14:sldId id="816"/>
-            <p14:sldId id="817"/>
-            <p14:sldId id="818"/>
-            <p14:sldId id="819"/>
-            <p14:sldId id="820"/>
-            <p14:sldId id="821"/>
-            <p14:sldId id="822"/>
-            <p14:sldId id="823"/>
-            <p14:sldId id="824"/>
-            <p14:sldId id="825"/>
-            <p14:sldId id="826"/>
-            <p14:sldId id="827"/>
-            <p14:sldId id="828"/>
-            <p14:sldId id="829"/>
-            <p14:sldId id="830"/>
-            <p14:sldId id="831"/>
-            <p14:sldId id="832"/>
-            <p14:sldId id="833"/>
-            <p14:sldId id="834"/>
-            <p14:sldId id="835"/>
-            <p14:sldId id="836"/>
-            <p14:sldId id="837"/>
-            <p14:sldId id="838"/>
-            <p14:sldId id="839"/>
-            <p14:sldId id="840"/>
-            <p14:sldId id="841"/>
-          </p14:sldIdLst>
+          <p14:sldIdLst/>
         </p14:section>
         <p14:section name="Big Data" id="{714FF753-78D3-4CFC-AD17-400810612444}">
-          <p14:sldIdLst>
-            <p14:sldId id="842"/>
-            <p14:sldId id="843"/>
-            <p14:sldId id="844"/>
-            <p14:sldId id="845"/>
-            <p14:sldId id="863"/>
-            <p14:sldId id="865"/>
-            <p14:sldId id="846"/>
-            <p14:sldId id="503"/>
-            <p14:sldId id="1101"/>
-            <p14:sldId id="1118"/>
-            <p14:sldId id="1120"/>
-            <p14:sldId id="1171"/>
-            <p14:sldId id="1170"/>
-            <p14:sldId id="1169"/>
-            <p14:sldId id="1168"/>
-            <p14:sldId id="1172"/>
-            <p14:sldId id="1173"/>
-            <p14:sldId id="1174"/>
-            <p14:sldId id="1175"/>
-          </p14:sldIdLst>
+          <p14:sldIdLst/>
         </p14:section>
       </p14:sectionLst>
     </p:ext>
     <p:ext uri="{EFAFB233-063F-42B5-8137-9DF3F51BA10A}">
-      <p15:sldGuideLst xmlns:p15="http://schemas.microsoft.com/office/powerpoint/2012/main" xmlns="">
+      <p15:sldGuideLst xmlns="" xmlns:p15="http://schemas.microsoft.com/office/powerpoint/2012/main">
         <p15:guide id="1" orient="horz" pos="2160">
           <p15:clr>
             <a:srgbClr val="A4A3A4"/>
@@ -776,7 +172,7 @@
   <p:cmAuthor id="1" name="Saleel" initials="S" lastIdx="1" clrIdx="0">
     <p:extLst>
       <p:ext uri="{19B8F6BF-5375-455C-9EA6-DF929625EA0E}">
-        <p15:presenceInfo xmlns:p15="http://schemas.microsoft.com/office/powerpoint/2012/main" xmlns="" userId="Saleel" providerId="None"/>
+        <p15:presenceInfo xmlns="" xmlns:p15="http://schemas.microsoft.com/office/powerpoint/2012/main" userId="Saleel" providerId="None"/>
       </p:ext>
     </p:extLst>
   </p:cmAuthor>
@@ -866,7 +262,7 @@
             <a:fld id="{4DF51050-3720-483B-B552-57DC1341D582}" type="datetimeFigureOut">
               <a:rPr lang="en-US" smtClean="0"/>
               <a:pPr/>
-              <a:t>6/8/2020</a:t>
+              <a:t>6/15/2020</a:t>
             </a:fld>
             <a:endParaRPr lang="en-US"/>
           </a:p>
@@ -1202,7 +598,7 @@
             <a:fld id="{A7AC5AE1-8B73-453E-AD5C-7AC64EE599C7}" type="slidenum">
               <a:rPr lang="en-IN" smtClean="0"/>
               <a:pPr/>
-              <a:t>5</a:t>
+              <a:t>4</a:t>
             </a:fld>
             <a:endParaRPr lang="en-IN"/>
           </a:p>
@@ -1211,7 +607,7 @@
     </p:spTree>
     <p:extLst>
       <p:ext uri="{BB962C8B-B14F-4D97-AF65-F5344CB8AC3E}">
-        <p14:creationId xmlns:p14="http://schemas.microsoft.com/office/powerpoint/2010/main" xmlns="" val="4169711313"/>
+        <p14:creationId xmlns="" xmlns:p14="http://schemas.microsoft.com/office/powerpoint/2010/main" val="4169711313"/>
       </p:ext>
     </p:extLst>
   </p:cSld>
@@ -1415,7 +811,7 @@
             <a:fld id="{EEE556E8-492E-4E8F-8E7F-7A7787724D01}" type="datetimeFigureOut">
               <a:rPr lang="en-US" smtClean="0"/>
               <a:pPr/>
-              <a:t>6/8/2020</a:t>
+              <a:t>6/15/2020</a:t>
             </a:fld>
             <a:endParaRPr lang="en-US"/>
           </a:p>
@@ -1620,7 +1016,7 @@
             <a:fld id="{EEE556E8-492E-4E8F-8E7F-7A7787724D01}" type="datetimeFigureOut">
               <a:rPr lang="en-US" smtClean="0"/>
               <a:pPr/>
-              <a:t>6/8/2020</a:t>
+              <a:t>6/15/2020</a:t>
             </a:fld>
             <a:endParaRPr lang="en-US"/>
           </a:p>
@@ -1825,7 +1221,7 @@
             <a:fld id="{EEE556E8-492E-4E8F-8E7F-7A7787724D01}" type="datetimeFigureOut">
               <a:rPr lang="en-US" smtClean="0"/>
               <a:pPr/>
-              <a:t>6/8/2020</a:t>
+              <a:t>6/15/2020</a:t>
             </a:fld>
             <a:endParaRPr lang="en-US"/>
           </a:p>
@@ -2030,7 +1426,7 @@
             <a:fld id="{EEE556E8-492E-4E8F-8E7F-7A7787724D01}" type="datetimeFigureOut">
               <a:rPr lang="en-US" smtClean="0"/>
               <a:pPr/>
-              <a:t>6/8/2020</a:t>
+              <a:t>6/15/2020</a:t>
             </a:fld>
             <a:endParaRPr lang="en-US"/>
           </a:p>
@@ -2302,7 +1698,7 @@
             <a:fld id="{EEE556E8-492E-4E8F-8E7F-7A7787724D01}" type="datetimeFigureOut">
               <a:rPr lang="en-US" smtClean="0"/>
               <a:pPr/>
-              <a:t>6/8/2020</a:t>
+              <a:t>6/15/2020</a:t>
             </a:fld>
             <a:endParaRPr lang="en-US"/>
           </a:p>
@@ -2622,7 +2018,7 @@
             <a:fld id="{EEE556E8-492E-4E8F-8E7F-7A7787724D01}" type="datetimeFigureOut">
               <a:rPr lang="en-US" smtClean="0"/>
               <a:pPr/>
-              <a:t>6/8/2020</a:t>
+              <a:t>6/15/2020</a:t>
             </a:fld>
             <a:endParaRPr lang="en-US"/>
           </a:p>
@@ -3082,7 +2478,7 @@
             <a:fld id="{EEE556E8-492E-4E8F-8E7F-7A7787724D01}" type="datetimeFigureOut">
               <a:rPr lang="en-US" smtClean="0"/>
               <a:pPr/>
-              <a:t>6/8/2020</a:t>
+              <a:t>6/15/2020</a:t>
             </a:fld>
             <a:endParaRPr lang="en-US"/>
           </a:p>
@@ -3228,7 +2624,7 @@
             <a:fld id="{EEE556E8-492E-4E8F-8E7F-7A7787724D01}" type="datetimeFigureOut">
               <a:rPr lang="en-US" smtClean="0"/>
               <a:pPr/>
-              <a:t>6/8/2020</a:t>
+              <a:t>6/15/2020</a:t>
             </a:fld>
             <a:endParaRPr lang="en-US"/>
           </a:p>
@@ -3558,7 +2954,7 @@
             <a:fld id="{EEE556E8-492E-4E8F-8E7F-7A7787724D01}" type="datetimeFigureOut">
               <a:rPr lang="en-US" smtClean="0"/>
               <a:pPr/>
-              <a:t>6/8/2020</a:t>
+              <a:t>6/15/2020</a:t>
             </a:fld>
             <a:endParaRPr lang="en-US"/>
           </a:p>
@@ -3840,7 +3236,7 @@
             <a:fld id="{EEE556E8-492E-4E8F-8E7F-7A7787724D01}" type="datetimeFigureOut">
               <a:rPr lang="en-US" smtClean="0"/>
               <a:pPr/>
-              <a:t>6/8/2020</a:t>
+              <a:t>6/15/2020</a:t>
             </a:fld>
             <a:endParaRPr lang="en-US"/>
           </a:p>
@@ -4432,38 +3828,6 @@
           </a:p>
         </p:txBody>
       </p:sp>
-      <p:pic>
-        <p:nvPicPr>
-          <p:cNvPr id="1026" name="Picture 2"/>
-          <p:cNvPicPr>
-            <a:picLocks noChangeAspect="1" noChangeArrowheads="1"/>
-          </p:cNvPicPr>
-          <p:nvPr/>
-        </p:nvPicPr>
-        <p:blipFill>
-          <a:blip r:embed="rId3" cstate="print"/>
-          <a:srcRect/>
-          <a:stretch>
-            <a:fillRect/>
-          </a:stretch>
-        </p:blipFill>
-        <p:spPr bwMode="auto">
-          <a:xfrm>
-            <a:off x="1558702" y="348630"/>
-            <a:ext cx="9153525" cy="2000250"/>
-          </a:xfrm>
-          <a:prstGeom prst="rect">
-            <a:avLst/>
-          </a:prstGeom>
-          <a:noFill/>
-          <a:ln w="9525">
-            <a:noFill/>
-            <a:miter lim="800000"/>
-            <a:headEnd/>
-            <a:tailEnd/>
-          </a:ln>
-        </p:spPr>
-      </p:pic>
       <p:sp>
         <p:nvSpPr>
           <p:cNvPr id="9" name="Rectangle 8"/>
@@ -5088,8 +4452,8 @@
         </p:nvSpPr>
         <p:spPr>
           <a:xfrm>
-            <a:off x="478582" y="2134597"/>
-            <a:ext cx="10945216" cy="646331"/>
+            <a:off x="478582" y="1988840"/>
+            <a:ext cx="11233248" cy="646331"/>
           </a:xfrm>
           <a:prstGeom prst="rect">
             <a:avLst/>
@@ -5103,672 +4467,76 @@
           <a:p>
             <a:r>
               <a:rPr lang="en-US" dirty="0" smtClean="0"/>
-              <a:t>The following table illustrates the inner join of two tables T1 (1,2,3,4,5) and T2 (A,B,C,D). The result includes rows: (2,A), (3,B),a dn (4,C) as they have the same patterns.</a:t>
+              <a:t>The following table illustrates the inner join of two tables T1 (</a:t>
+            </a:r>
+            <a:r>
+              <a:rPr lang="en-US" dirty="0"/>
+              <a:t>AC-1, AC-2</a:t>
+            </a:r>
+            <a:r>
+              <a:rPr lang="en-US" dirty="0" smtClean="0"/>
+              <a:t>,</a:t>
+            </a:r>
+            <a:r>
+              <a:rPr lang="en-US" dirty="0"/>
+              <a:t> AC-</a:t>
+            </a:r>
+            <a:r>
+              <a:rPr lang="en-US" dirty="0" smtClean="0"/>
+              <a:t>3,</a:t>
+            </a:r>
+            <a:r>
+              <a:rPr lang="en-US" dirty="0"/>
+              <a:t> AC-</a:t>
+            </a:r>
+            <a:r>
+              <a:rPr lang="en-US" dirty="0" smtClean="0"/>
+              <a:t>4,</a:t>
+            </a:r>
+            <a:r>
+              <a:rPr lang="en-US" dirty="0"/>
+              <a:t> AC-</a:t>
+            </a:r>
+            <a:r>
+              <a:rPr lang="en-US" dirty="0" smtClean="0"/>
+              <a:t>5) and T2 (</a:t>
+            </a:r>
+            <a:r>
+              <a:rPr lang="en-US" dirty="0"/>
+              <a:t>C-1, </a:t>
+            </a:r>
+            <a:r>
+              <a:rPr lang="en-US" dirty="0" smtClean="0"/>
+              <a:t>C-2, C-3, C-4). The result includes rows: (2,A), (3,B),a dn (4,C) as they have the same patterns.</a:t>
             </a:r>
             <a:endParaRPr lang="en-US" dirty="0"/>
           </a:p>
         </p:txBody>
       </p:sp>
-      <p:grpSp>
-        <p:nvGrpSpPr>
-          <p:cNvPr id="22" name="Group 21"/>
-          <p:cNvGrpSpPr/>
+      <p:pic>
+        <p:nvPicPr>
+          <p:cNvPr id="23" name="Picture 22"/>
+          <p:cNvPicPr>
+            <a:picLocks noChangeAspect="1"/>
+          </p:cNvPicPr>
           <p:nvPr/>
-        </p:nvGrpSpPr>
-        <p:grpSpPr>
-          <a:xfrm>
-            <a:off x="622598" y="2996952"/>
-            <a:ext cx="9145016" cy="3384376"/>
-            <a:chOff x="262558" y="2924944"/>
-            <a:chExt cx="9145016" cy="3384376"/>
-          </a:xfrm>
-        </p:grpSpPr>
-        <p:grpSp>
-          <p:nvGrpSpPr>
-            <p:cNvPr id="20" name="Group 19"/>
-            <p:cNvGrpSpPr/>
-            <p:nvPr/>
-          </p:nvGrpSpPr>
-          <p:grpSpPr>
-            <a:xfrm>
-              <a:off x="550590" y="3140968"/>
-              <a:ext cx="8568702" cy="3096344"/>
-              <a:chOff x="478832" y="3140968"/>
-              <a:chExt cx="8568702" cy="3096344"/>
-            </a:xfrm>
-          </p:grpSpPr>
-          <p:pic>
-            <p:nvPicPr>
-              <p:cNvPr id="1026" name="Picture 2"/>
-              <p:cNvPicPr>
-                <a:picLocks noChangeAspect="1" noChangeArrowheads="1"/>
-              </p:cNvPicPr>
-              <p:nvPr/>
-            </p:nvPicPr>
-            <p:blipFill>
-              <a:blip r:embed="rId3" cstate="print"/>
-              <a:srcRect/>
-              <a:stretch>
-                <a:fillRect/>
-              </a:stretch>
-            </p:blipFill>
-            <p:spPr bwMode="auto">
-              <a:xfrm>
-                <a:off x="478832" y="3140968"/>
-                <a:ext cx="8568702" cy="3096344"/>
-              </a:xfrm>
-              <a:prstGeom prst="rect">
-                <a:avLst/>
-              </a:prstGeom>
-              <a:noFill/>
-              <a:ln w="9525">
-                <a:noFill/>
-                <a:miter lim="800000"/>
-                <a:headEnd/>
-                <a:tailEnd/>
-              </a:ln>
-            </p:spPr>
-          </p:pic>
-          <p:sp>
-            <p:nvSpPr>
-              <p:cNvPr id="8" name="Rectangle 7"/>
-              <p:cNvSpPr/>
-              <p:nvPr/>
-            </p:nvSpPr>
-            <p:spPr>
-              <a:xfrm>
-                <a:off x="550590" y="3140968"/>
-                <a:ext cx="1512168" cy="504056"/>
-              </a:xfrm>
-              <a:prstGeom prst="rect">
-                <a:avLst/>
-              </a:prstGeom>
-              <a:noFill/>
-              <a:ln w="3175">
-                <a:solidFill>
-                  <a:schemeClr val="tx1"/>
-                </a:solidFill>
-              </a:ln>
-            </p:spPr>
-            <p:style>
-              <a:lnRef idx="2">
-                <a:schemeClr val="accent1">
-                  <a:shade val="50000"/>
-                </a:schemeClr>
-              </a:lnRef>
-              <a:fillRef idx="1">
-                <a:schemeClr val="accent1"/>
-              </a:fillRef>
-              <a:effectRef idx="0">
-                <a:schemeClr val="accent1"/>
-              </a:effectRef>
-              <a:fontRef idx="minor">
-                <a:schemeClr val="lt1"/>
-              </a:fontRef>
-            </p:style>
-            <p:txBody>
-              <a:bodyPr rtlCol="0" anchor="ctr"/>
-              <a:lstStyle/>
-              <a:p>
-                <a:pPr algn="ctr"/>
-                <a:endParaRPr lang="en-US"/>
-              </a:p>
-            </p:txBody>
-          </p:sp>
-          <p:sp>
-            <p:nvSpPr>
-              <p:cNvPr id="9" name="Rectangle 8"/>
-              <p:cNvSpPr/>
-              <p:nvPr/>
-            </p:nvSpPr>
-            <p:spPr>
-              <a:xfrm>
-                <a:off x="550590" y="3760574"/>
-                <a:ext cx="1512168" cy="504056"/>
-              </a:xfrm>
-              <a:prstGeom prst="rect">
-                <a:avLst/>
-              </a:prstGeom>
-              <a:noFill/>
-              <a:ln w="3175">
-                <a:solidFill>
-                  <a:schemeClr val="tx1"/>
-                </a:solidFill>
-              </a:ln>
-            </p:spPr>
-            <p:style>
-              <a:lnRef idx="2">
-                <a:schemeClr val="accent1">
-                  <a:shade val="50000"/>
-                </a:schemeClr>
-              </a:lnRef>
-              <a:fillRef idx="1">
-                <a:schemeClr val="accent1"/>
-              </a:fillRef>
-              <a:effectRef idx="0">
-                <a:schemeClr val="accent1"/>
-              </a:effectRef>
-              <a:fontRef idx="minor">
-                <a:schemeClr val="lt1"/>
-              </a:fontRef>
-            </p:style>
-            <p:txBody>
-              <a:bodyPr rtlCol="0" anchor="ctr"/>
-              <a:lstStyle/>
-              <a:p>
-                <a:pPr algn="ctr"/>
-                <a:endParaRPr lang="en-US"/>
-              </a:p>
-            </p:txBody>
-          </p:sp>
-          <p:sp>
-            <p:nvSpPr>
-              <p:cNvPr id="10" name="Rectangle 9"/>
-              <p:cNvSpPr/>
-              <p:nvPr/>
-            </p:nvSpPr>
-            <p:spPr>
-              <a:xfrm>
-                <a:off x="550590" y="4365104"/>
-                <a:ext cx="1512168" cy="504056"/>
-              </a:xfrm>
-              <a:prstGeom prst="rect">
-                <a:avLst/>
-              </a:prstGeom>
-              <a:noFill/>
-              <a:ln w="3175">
-                <a:solidFill>
-                  <a:schemeClr val="tx1"/>
-                </a:solidFill>
-              </a:ln>
-            </p:spPr>
-            <p:style>
-              <a:lnRef idx="2">
-                <a:schemeClr val="accent1">
-                  <a:shade val="50000"/>
-                </a:schemeClr>
-              </a:lnRef>
-              <a:fillRef idx="1">
-                <a:schemeClr val="accent1"/>
-              </a:fillRef>
-              <a:effectRef idx="0">
-                <a:schemeClr val="accent1"/>
-              </a:effectRef>
-              <a:fontRef idx="minor">
-                <a:schemeClr val="lt1"/>
-              </a:fontRef>
-            </p:style>
-            <p:txBody>
-              <a:bodyPr rtlCol="0" anchor="ctr"/>
-              <a:lstStyle/>
-              <a:p>
-                <a:pPr algn="ctr"/>
-                <a:endParaRPr lang="en-US"/>
-              </a:p>
-            </p:txBody>
-          </p:sp>
-          <p:sp>
-            <p:nvSpPr>
-              <p:cNvPr id="11" name="Rectangle 10"/>
-              <p:cNvSpPr/>
-              <p:nvPr/>
-            </p:nvSpPr>
-            <p:spPr>
-              <a:xfrm>
-                <a:off x="550590" y="5013176"/>
-                <a:ext cx="1512168" cy="504056"/>
-              </a:xfrm>
-              <a:prstGeom prst="rect">
-                <a:avLst/>
-              </a:prstGeom>
-              <a:noFill/>
-              <a:ln w="3175">
-                <a:solidFill>
-                  <a:schemeClr val="tx1"/>
-                </a:solidFill>
-              </a:ln>
-            </p:spPr>
-            <p:style>
-              <a:lnRef idx="2">
-                <a:schemeClr val="accent1">
-                  <a:shade val="50000"/>
-                </a:schemeClr>
-              </a:lnRef>
-              <a:fillRef idx="1">
-                <a:schemeClr val="accent1"/>
-              </a:fillRef>
-              <a:effectRef idx="0">
-                <a:schemeClr val="accent1"/>
-              </a:effectRef>
-              <a:fontRef idx="minor">
-                <a:schemeClr val="lt1"/>
-              </a:fontRef>
-            </p:style>
-            <p:txBody>
-              <a:bodyPr rtlCol="0" anchor="ctr"/>
-              <a:lstStyle/>
-              <a:p>
-                <a:pPr algn="ctr"/>
-                <a:endParaRPr lang="en-US"/>
-              </a:p>
-            </p:txBody>
-          </p:sp>
-          <p:sp>
-            <p:nvSpPr>
-              <p:cNvPr id="12" name="Rectangle 11"/>
-              <p:cNvSpPr/>
-              <p:nvPr/>
-            </p:nvSpPr>
-            <p:spPr>
-              <a:xfrm>
-                <a:off x="550590" y="5575288"/>
-                <a:ext cx="1512168" cy="504056"/>
-              </a:xfrm>
-              <a:prstGeom prst="rect">
-                <a:avLst/>
-              </a:prstGeom>
-              <a:noFill/>
-              <a:ln w="3175">
-                <a:solidFill>
-                  <a:schemeClr val="tx1"/>
-                </a:solidFill>
-              </a:ln>
-            </p:spPr>
-            <p:style>
-              <a:lnRef idx="2">
-                <a:schemeClr val="accent1">
-                  <a:shade val="50000"/>
-                </a:schemeClr>
-              </a:lnRef>
-              <a:fillRef idx="1">
-                <a:schemeClr val="accent1"/>
-              </a:fillRef>
-              <a:effectRef idx="0">
-                <a:schemeClr val="accent1"/>
-              </a:effectRef>
-              <a:fontRef idx="minor">
-                <a:schemeClr val="lt1"/>
-              </a:fontRef>
-            </p:style>
-            <p:txBody>
-              <a:bodyPr rtlCol="0" anchor="ctr"/>
-              <a:lstStyle/>
-              <a:p>
-                <a:pPr algn="ctr"/>
-                <a:endParaRPr lang="en-US"/>
-              </a:p>
-            </p:txBody>
-          </p:sp>
-          <p:sp>
-            <p:nvSpPr>
-              <p:cNvPr id="13" name="Rectangle 12"/>
-              <p:cNvSpPr/>
-              <p:nvPr/>
-            </p:nvSpPr>
-            <p:spPr>
-              <a:xfrm>
-                <a:off x="3603392" y="3789040"/>
-                <a:ext cx="1512168" cy="504056"/>
-              </a:xfrm>
-              <a:prstGeom prst="rect">
-                <a:avLst/>
-              </a:prstGeom>
-              <a:noFill/>
-              <a:ln w="3175">
-                <a:solidFill>
-                  <a:schemeClr val="tx1"/>
-                </a:solidFill>
-              </a:ln>
-            </p:spPr>
-            <p:style>
-              <a:lnRef idx="2">
-                <a:schemeClr val="accent1">
-                  <a:shade val="50000"/>
-                </a:schemeClr>
-              </a:lnRef>
-              <a:fillRef idx="1">
-                <a:schemeClr val="accent1"/>
-              </a:fillRef>
-              <a:effectRef idx="0">
-                <a:schemeClr val="accent1"/>
-              </a:effectRef>
-              <a:fontRef idx="minor">
-                <a:schemeClr val="lt1"/>
-              </a:fontRef>
-            </p:style>
-            <p:txBody>
-              <a:bodyPr rtlCol="0" anchor="ctr"/>
-              <a:lstStyle/>
-              <a:p>
-                <a:pPr algn="ctr"/>
-                <a:endParaRPr lang="en-US"/>
-              </a:p>
-            </p:txBody>
-          </p:sp>
-          <p:sp>
-            <p:nvSpPr>
-              <p:cNvPr id="14" name="Rectangle 13"/>
-              <p:cNvSpPr/>
-              <p:nvPr/>
-            </p:nvSpPr>
-            <p:spPr>
-              <a:xfrm>
-                <a:off x="3603392" y="4394132"/>
-                <a:ext cx="1512168" cy="504056"/>
-              </a:xfrm>
-              <a:prstGeom prst="rect">
-                <a:avLst/>
-              </a:prstGeom>
-              <a:noFill/>
-              <a:ln w="3175">
-                <a:solidFill>
-                  <a:schemeClr val="tx1"/>
-                </a:solidFill>
-              </a:ln>
-            </p:spPr>
-            <p:style>
-              <a:lnRef idx="2">
-                <a:schemeClr val="accent1">
-                  <a:shade val="50000"/>
-                </a:schemeClr>
-              </a:lnRef>
-              <a:fillRef idx="1">
-                <a:schemeClr val="accent1"/>
-              </a:fillRef>
-              <a:effectRef idx="0">
-                <a:schemeClr val="accent1"/>
-              </a:effectRef>
-              <a:fontRef idx="minor">
-                <a:schemeClr val="lt1"/>
-              </a:fontRef>
-            </p:style>
-            <p:txBody>
-              <a:bodyPr rtlCol="0" anchor="ctr"/>
-              <a:lstStyle/>
-              <a:p>
-                <a:pPr algn="ctr"/>
-                <a:endParaRPr lang="en-US"/>
-              </a:p>
-            </p:txBody>
-          </p:sp>
-          <p:sp>
-            <p:nvSpPr>
-              <p:cNvPr id="15" name="Rectangle 14"/>
-              <p:cNvSpPr/>
-              <p:nvPr/>
-            </p:nvSpPr>
-            <p:spPr>
-              <a:xfrm>
-                <a:off x="3603392" y="5013176"/>
-                <a:ext cx="1512168" cy="504056"/>
-              </a:xfrm>
-              <a:prstGeom prst="rect">
-                <a:avLst/>
-              </a:prstGeom>
-              <a:noFill/>
-              <a:ln w="3175">
-                <a:solidFill>
-                  <a:schemeClr val="tx1"/>
-                </a:solidFill>
-              </a:ln>
-            </p:spPr>
-            <p:style>
-              <a:lnRef idx="2">
-                <a:schemeClr val="accent1">
-                  <a:shade val="50000"/>
-                </a:schemeClr>
-              </a:lnRef>
-              <a:fillRef idx="1">
-                <a:schemeClr val="accent1"/>
-              </a:fillRef>
-              <a:effectRef idx="0">
-                <a:schemeClr val="accent1"/>
-              </a:effectRef>
-              <a:fontRef idx="minor">
-                <a:schemeClr val="lt1"/>
-              </a:fontRef>
-            </p:style>
-            <p:txBody>
-              <a:bodyPr rtlCol="0" anchor="ctr"/>
-              <a:lstStyle/>
-              <a:p>
-                <a:pPr algn="ctr"/>
-                <a:endParaRPr lang="en-US"/>
-              </a:p>
-            </p:txBody>
-          </p:sp>
-          <p:sp>
-            <p:nvSpPr>
-              <p:cNvPr id="16" name="Rectangle 15"/>
-              <p:cNvSpPr/>
-              <p:nvPr/>
-            </p:nvSpPr>
-            <p:spPr>
-              <a:xfrm>
-                <a:off x="3603392" y="5589240"/>
-                <a:ext cx="1512168" cy="504056"/>
-              </a:xfrm>
-              <a:prstGeom prst="rect">
-                <a:avLst/>
-              </a:prstGeom>
-              <a:noFill/>
-              <a:ln w="3175">
-                <a:solidFill>
-                  <a:schemeClr val="tx1"/>
-                </a:solidFill>
-              </a:ln>
-            </p:spPr>
-            <p:style>
-              <a:lnRef idx="2">
-                <a:schemeClr val="accent1">
-                  <a:shade val="50000"/>
-                </a:schemeClr>
-              </a:lnRef>
-              <a:fillRef idx="1">
-                <a:schemeClr val="accent1"/>
-              </a:fillRef>
-              <a:effectRef idx="0">
-                <a:schemeClr val="accent1"/>
-              </a:effectRef>
-              <a:fontRef idx="minor">
-                <a:schemeClr val="lt1"/>
-              </a:fontRef>
-            </p:style>
-            <p:txBody>
-              <a:bodyPr rtlCol="0" anchor="ctr"/>
-              <a:lstStyle/>
-              <a:p>
-                <a:pPr algn="ctr"/>
-                <a:endParaRPr lang="en-US"/>
-              </a:p>
-            </p:txBody>
-          </p:sp>
-          <p:sp>
-            <p:nvSpPr>
-              <p:cNvPr id="17" name="Rectangle 16"/>
-              <p:cNvSpPr/>
-              <p:nvPr/>
-            </p:nvSpPr>
-            <p:spPr>
-              <a:xfrm>
-                <a:off x="5735166" y="3789040"/>
-                <a:ext cx="3240360" cy="518570"/>
-              </a:xfrm>
-              <a:prstGeom prst="rect">
-                <a:avLst/>
-              </a:prstGeom>
-              <a:noFill/>
-              <a:ln w="3175">
-                <a:solidFill>
-                  <a:schemeClr val="tx1"/>
-                </a:solidFill>
-              </a:ln>
-            </p:spPr>
-            <p:style>
-              <a:lnRef idx="2">
-                <a:schemeClr val="accent1">
-                  <a:shade val="50000"/>
-                </a:schemeClr>
-              </a:lnRef>
-              <a:fillRef idx="1">
-                <a:schemeClr val="accent1"/>
-              </a:fillRef>
-              <a:effectRef idx="0">
-                <a:schemeClr val="accent1"/>
-              </a:effectRef>
-              <a:fontRef idx="minor">
-                <a:schemeClr val="lt1"/>
-              </a:fontRef>
-            </p:style>
-            <p:txBody>
-              <a:bodyPr rtlCol="0" anchor="ctr"/>
-              <a:lstStyle/>
-              <a:p>
-                <a:pPr algn="ctr"/>
-                <a:endParaRPr lang="en-US"/>
-              </a:p>
-            </p:txBody>
-          </p:sp>
-          <p:sp>
-            <p:nvSpPr>
-              <p:cNvPr id="18" name="Rectangle 17"/>
-              <p:cNvSpPr/>
-              <p:nvPr/>
-            </p:nvSpPr>
-            <p:spPr>
-              <a:xfrm>
-                <a:off x="5735166" y="4365104"/>
-                <a:ext cx="3240360" cy="518570"/>
-              </a:xfrm>
-              <a:prstGeom prst="rect">
-                <a:avLst/>
-              </a:prstGeom>
-              <a:noFill/>
-              <a:ln w="3175">
-                <a:solidFill>
-                  <a:schemeClr val="tx1"/>
-                </a:solidFill>
-              </a:ln>
-            </p:spPr>
-            <p:style>
-              <a:lnRef idx="2">
-                <a:schemeClr val="accent1">
-                  <a:shade val="50000"/>
-                </a:schemeClr>
-              </a:lnRef>
-              <a:fillRef idx="1">
-                <a:schemeClr val="accent1"/>
-              </a:fillRef>
-              <a:effectRef idx="0">
-                <a:schemeClr val="accent1"/>
-              </a:effectRef>
-              <a:fontRef idx="minor">
-                <a:schemeClr val="lt1"/>
-              </a:fontRef>
-            </p:style>
-            <p:txBody>
-              <a:bodyPr rtlCol="0" anchor="ctr"/>
-              <a:lstStyle/>
-              <a:p>
-                <a:pPr algn="ctr"/>
-                <a:endParaRPr lang="en-US"/>
-              </a:p>
-            </p:txBody>
-          </p:sp>
-          <p:sp>
-            <p:nvSpPr>
-              <p:cNvPr id="19" name="Rectangle 18"/>
-              <p:cNvSpPr/>
-              <p:nvPr/>
-            </p:nvSpPr>
-            <p:spPr>
-              <a:xfrm>
-                <a:off x="5735166" y="4941168"/>
-                <a:ext cx="3240360" cy="518570"/>
-              </a:xfrm>
-              <a:prstGeom prst="rect">
-                <a:avLst/>
-              </a:prstGeom>
-              <a:noFill/>
-              <a:ln w="3175">
-                <a:solidFill>
-                  <a:schemeClr val="tx1"/>
-                </a:solidFill>
-              </a:ln>
-            </p:spPr>
-            <p:style>
-              <a:lnRef idx="2">
-                <a:schemeClr val="accent1">
-                  <a:shade val="50000"/>
-                </a:schemeClr>
-              </a:lnRef>
-              <a:fillRef idx="1">
-                <a:schemeClr val="accent1"/>
-              </a:fillRef>
-              <a:effectRef idx="0">
-                <a:schemeClr val="accent1"/>
-              </a:effectRef>
-              <a:fontRef idx="minor">
-                <a:schemeClr val="lt1"/>
-              </a:fontRef>
-            </p:style>
-            <p:txBody>
-              <a:bodyPr rtlCol="0" anchor="ctr"/>
-              <a:lstStyle/>
-              <a:p>
-                <a:pPr algn="ctr"/>
-                <a:endParaRPr lang="en-US"/>
-              </a:p>
-            </p:txBody>
-          </p:sp>
-        </p:grpSp>
-        <p:sp>
-          <p:nvSpPr>
-            <p:cNvPr id="21" name="Rectangle 20"/>
-            <p:cNvSpPr/>
-            <p:nvPr/>
-          </p:nvSpPr>
-          <p:spPr>
-            <a:xfrm>
-              <a:off x="262558" y="2924944"/>
-              <a:ext cx="9145016" cy="3384376"/>
-            </a:xfrm>
-            <a:prstGeom prst="rect">
-              <a:avLst/>
-            </a:prstGeom>
-            <a:noFill/>
-            <a:ln>
-              <a:solidFill>
-                <a:schemeClr val="tx1"/>
-              </a:solidFill>
-            </a:ln>
-          </p:spPr>
-          <p:style>
-            <a:lnRef idx="2">
-              <a:schemeClr val="accent1">
-                <a:shade val="50000"/>
-              </a:schemeClr>
-            </a:lnRef>
-            <a:fillRef idx="1">
-              <a:schemeClr val="accent1"/>
-            </a:fillRef>
-            <a:effectRef idx="0">
-              <a:schemeClr val="accent1"/>
-            </a:effectRef>
-            <a:fontRef idx="minor">
-              <a:schemeClr val="lt1"/>
-            </a:fontRef>
-          </p:style>
-          <p:txBody>
-            <a:bodyPr rtlCol="0" anchor="ctr"/>
-            <a:lstStyle/>
-            <a:p>
-              <a:pPr algn="ctr"/>
-              <a:endParaRPr lang="en-US"/>
-            </a:p>
-          </p:txBody>
-        </p:sp>
-      </p:grpSp>
+        </p:nvPicPr>
+        <p:blipFill>
+          <a:blip r:embed="rId3"/>
+          <a:stretch>
+            <a:fillRect/>
+          </a:stretch>
+        </p:blipFill>
+        <p:spPr>
+          <a:xfrm>
+            <a:off x="1126654" y="2910864"/>
+            <a:ext cx="9505056" cy="3398456"/>
+          </a:xfrm>
+          <a:prstGeom prst="rect">
+            <a:avLst/>
+          </a:prstGeom>
+        </p:spPr>
+      </p:pic>
     </p:spTree>
     <p:extLst>
       <p:ext uri="{BB962C8B-B14F-4D97-AF65-F5344CB8AC3E}">
@@ -5832,20 +4600,18 @@
           <a:p>
             <a:pPr algn="r"/>
             <a:r>
-              <a:rPr lang="en-US" sz="3200" b="1" dirty="0" smtClean="0"/>
-              <a:t>Difference between </a:t>
-            </a:r>
-            <a:r>
-              <a:rPr lang="en-US" sz="3200" b="1" dirty="0" smtClean="0"/>
-              <a:t>INNER JOIN </a:t>
-            </a:r>
-            <a:r>
-              <a:rPr lang="en-US" sz="3200" b="1" dirty="0" smtClean="0"/>
-              <a:t> and  Natural </a:t>
-            </a:r>
-            <a:r>
-              <a:rPr lang="en-US" sz="3200" b="1" dirty="0" smtClean="0"/>
-              <a:t>JOIN</a:t>
+              <a:rPr lang="en-US" sz="3200" b="1" i="1" dirty="0" smtClean="0">
+                <a:latin typeface="Arial" pitchFamily="34" charset="0"/>
+                <a:cs typeface="Arial" pitchFamily="34" charset="0"/>
+              </a:rPr>
+              <a:t>equi </a:t>
+            </a:r>
+            <a:r>
+              <a:rPr lang="en-US" sz="3200" b="1" i="1" dirty="0">
+                <a:latin typeface="Arial" pitchFamily="34" charset="0"/>
+                <a:cs typeface="Arial" pitchFamily="34" charset="0"/>
+              </a:rPr>
+              <a:t>join</a:t>
             </a:r>
             <a:endParaRPr lang="en-IN" sz="3200" b="1" i="1" dirty="0">
               <a:latin typeface="Arial" pitchFamily="34" charset="0"/>
@@ -5854,12 +4620,159 @@
           </a:p>
         </p:txBody>
       </p:sp>
+      <p:sp>
+        <p:nvSpPr>
+          <p:cNvPr id="7" name="Rectangle 6"/>
+          <p:cNvSpPr/>
+          <p:nvPr/>
+        </p:nvSpPr>
+        <p:spPr>
+          <a:xfrm>
+            <a:off x="406574" y="1208946"/>
+            <a:ext cx="11444604" cy="707886"/>
+          </a:xfrm>
+          <a:prstGeom prst="rect">
+            <a:avLst/>
+          </a:prstGeom>
+        </p:spPr>
+        <p:txBody>
+          <a:bodyPr wrap="square">
+            <a:spAutoFit/>
+          </a:bodyPr>
+          <a:lstStyle/>
+          <a:p>
+            <a:r>
+              <a:rPr lang="en-US" sz="2000" dirty="0">
+                <a:latin typeface="Liberation Mono"/>
+              </a:rPr>
+              <a:t>SELECT column-list from &lt;table_references&gt;, &lt;table_references&gt; WHERE table1.column-name = table2.column-name</a:t>
+            </a:r>
+          </a:p>
+        </p:txBody>
+      </p:sp>
+      <p:sp>
+        <p:nvSpPr>
+          <p:cNvPr id="3" name="Rectangle 2"/>
+          <p:cNvSpPr/>
+          <p:nvPr/>
+        </p:nvSpPr>
+        <p:spPr>
+          <a:xfrm>
+            <a:off x="202398" y="2204864"/>
+            <a:ext cx="11444604" cy="646331"/>
+          </a:xfrm>
+          <a:prstGeom prst="rect">
+            <a:avLst/>
+          </a:prstGeom>
+        </p:spPr>
+        <p:txBody>
+          <a:bodyPr wrap="square">
+            <a:spAutoFit/>
+          </a:bodyPr>
+          <a:lstStyle/>
+          <a:p>
+            <a:pPr marL="285750" indent="-285750">
+              <a:buFont typeface="Arial" panose="020B0604020202020204" pitchFamily="34" charset="0"/>
+              <a:buChar char="•"/>
+            </a:pPr>
+            <a:r>
+              <a:rPr lang="en-US" dirty="0">
+                <a:latin typeface="Arial" panose="020B0604020202020204" pitchFamily="34" charset="0"/>
+                <a:ea typeface="Times New Roman" panose="02020603050405020304" pitchFamily="18" charset="0"/>
+                <a:cs typeface="Arial" panose="020B0604020202020204" pitchFamily="34" charset="0"/>
+              </a:rPr>
+              <a:t>SELECT</a:t>
+            </a:r>
+            <a:r>
+              <a:rPr lang="en-US" dirty="0">
+                <a:latin typeface="Arial" panose="020B0604020202020204" pitchFamily="34" charset="0"/>
+                <a:cs typeface="Arial" panose="020B0604020202020204" pitchFamily="34" charset="0"/>
+              </a:rPr>
+              <a:t> </a:t>
+            </a:r>
+            <a:r>
+              <a:rPr lang="en-US" dirty="0" smtClean="0">
+                <a:latin typeface="Arial" panose="020B0604020202020204" pitchFamily="34" charset="0"/>
+                <a:cs typeface="Arial" panose="020B0604020202020204" pitchFamily="34" charset="0"/>
+              </a:rPr>
+              <a:t>s.ID, s.nameFirst,s.nameLast, a.address </a:t>
+            </a:r>
+            <a:r>
+              <a:rPr lang="en-US" dirty="0">
+                <a:latin typeface="Arial" panose="020B0604020202020204" pitchFamily="34" charset="0"/>
+                <a:ea typeface="Times New Roman" panose="02020603050405020304" pitchFamily="18" charset="0"/>
+                <a:cs typeface="Arial" panose="020B0604020202020204" pitchFamily="34" charset="0"/>
+              </a:rPr>
+              <a:t>FROM</a:t>
+            </a:r>
+            <a:r>
+              <a:rPr lang="en-US" dirty="0">
+                <a:latin typeface="Arial" panose="020B0604020202020204" pitchFamily="34" charset="0"/>
+                <a:cs typeface="Arial" panose="020B0604020202020204" pitchFamily="34" charset="0"/>
+              </a:rPr>
+              <a:t> </a:t>
+            </a:r>
+            <a:r>
+              <a:rPr lang="en-IN" dirty="0">
+                <a:latin typeface="Arial" panose="020B0604020202020204" pitchFamily="34" charset="0"/>
+              </a:rPr>
+              <a:t>student s</a:t>
+            </a:r>
+            <a:r>
+              <a:rPr lang="en-US" dirty="0">
+                <a:latin typeface="Arial" panose="020B0604020202020204" pitchFamily="34" charset="0"/>
+                <a:cs typeface="Arial" panose="020B0604020202020204" pitchFamily="34" charset="0"/>
+              </a:rPr>
+              <a:t>, </a:t>
+            </a:r>
+            <a:r>
+              <a:rPr lang="en-IN" dirty="0">
+                <a:latin typeface="Arial" panose="020B0604020202020204" pitchFamily="34" charset="0"/>
+              </a:rPr>
+              <a:t>student_</a:t>
+            </a:r>
+            <a:r>
+              <a:rPr lang="en-US" dirty="0">
+                <a:latin typeface="Arial" panose="020B0604020202020204" pitchFamily="34" charset="0"/>
+                <a:cs typeface="Arial" panose="020B0604020202020204" pitchFamily="34" charset="0"/>
+              </a:rPr>
+              <a:t>address a </a:t>
+            </a:r>
+            <a:r>
+              <a:rPr lang="en-US" dirty="0">
+                <a:latin typeface="Arial" panose="020B0604020202020204" pitchFamily="34" charset="0"/>
+              </a:rPr>
+              <a:t>WHERE</a:t>
+            </a:r>
+            <a:r>
+              <a:rPr lang="en-US" dirty="0">
+                <a:latin typeface="Arial" panose="020B0604020202020204" pitchFamily="34" charset="0"/>
+                <a:cs typeface="Arial" panose="020B0604020202020204" pitchFamily="34" charset="0"/>
+              </a:rPr>
+              <a:t> s.ID = a.</a:t>
+            </a:r>
+            <a:r>
+              <a:rPr lang="en-IN" dirty="0">
+                <a:latin typeface="Arial" panose="020B0604020202020204" pitchFamily="34" charset="0"/>
+              </a:rPr>
+              <a:t>studentID</a:t>
+            </a:r>
+            <a:r>
+              <a:rPr lang="en-US" dirty="0">
+                <a:latin typeface="Arial" panose="020B0604020202020204" pitchFamily="34" charset="0"/>
+                <a:cs typeface="Arial" panose="020B0604020202020204" pitchFamily="34" charset="0"/>
+              </a:rPr>
+              <a:t>;</a:t>
+            </a:r>
+          </a:p>
+        </p:txBody>
+      </p:sp>
       <p:pic>
         <p:nvPicPr>
-          <p:cNvPr id="7" name="Picture 6">
+          <p:cNvPr id="8" name="Picture 7">
             <a:extLst>
               <a:ext uri="{FF2B5EF4-FFF2-40B4-BE49-F238E27FC236}">
-                <a16:creationId xmlns:a16="http://schemas.microsoft.com/office/drawing/2014/main" xmlns="" id="{D549EEF8-0DDC-4ADB-8B68-691DD0B6B1E9}"/>
+                <a16:creationId xmlns="" xmlns:a16="http://schemas.microsoft.com/office/drawing/2014/main" id="{FEA8C22B-921E-481F-8797-57B673F1241B}"/>
               </a:ext>
             </a:extLst>
           </p:cNvPr>
@@ -5872,7 +4785,7 @@
           <a:blip r:embed="rId2" cstate="print">
             <a:extLst>
               <a:ext uri="{28A0092B-C50C-407E-A947-70E740481C1C}">
-                <a14:useLocalDpi xmlns:a14="http://schemas.microsoft.com/office/drawing/2010/main" xmlns="" val="0"/>
+                <a14:useLocalDpi xmlns="" xmlns:a14="http://schemas.microsoft.com/office/drawing/2010/main" val="0"/>
               </a:ext>
             </a:extLst>
           </a:blip>
@@ -5890,12 +4803,738 @@
           </a:prstGeom>
         </p:spPr>
       </p:pic>
+      <p:pic>
+        <p:nvPicPr>
+          <p:cNvPr id="1026" name="Picture 2"/>
+          <p:cNvPicPr>
+            <a:picLocks noChangeAspect="1" noChangeArrowheads="1"/>
+          </p:cNvPicPr>
+          <p:nvPr/>
+        </p:nvPicPr>
+        <p:blipFill>
+          <a:blip r:embed="rId3" cstate="print"/>
+          <a:srcRect/>
+          <a:stretch>
+            <a:fillRect/>
+          </a:stretch>
+        </p:blipFill>
+        <p:spPr bwMode="auto">
+          <a:xfrm>
+            <a:off x="334566" y="3025988"/>
+            <a:ext cx="11474172" cy="3168352"/>
+          </a:xfrm>
+          <a:prstGeom prst="rect">
+            <a:avLst/>
+          </a:prstGeom>
+          <a:noFill/>
+          <a:ln w="9525">
+            <a:noFill/>
+            <a:miter lim="800000"/>
+            <a:headEnd/>
+            <a:tailEnd/>
+          </a:ln>
+        </p:spPr>
+      </p:pic>
+      <p:sp>
+        <p:nvSpPr>
+          <p:cNvPr id="9" name="Rectangle 8"/>
+          <p:cNvSpPr/>
+          <p:nvPr/>
+        </p:nvSpPr>
+        <p:spPr>
+          <a:xfrm>
+            <a:off x="406574" y="836712"/>
+            <a:ext cx="851515" cy="369332"/>
+          </a:xfrm>
+          <a:prstGeom prst="rect">
+            <a:avLst/>
+          </a:prstGeom>
+        </p:spPr>
+        <p:txBody>
+          <a:bodyPr wrap="none">
+            <a:spAutoFit/>
+          </a:bodyPr>
+          <a:lstStyle/>
+          <a:p>
+            <a:r>
+              <a:rPr lang="en-US" dirty="0" smtClean="0">
+                <a:latin typeface="Liberation Mono"/>
+              </a:rPr>
+              <a:t>syntex</a:t>
+            </a:r>
+            <a:endParaRPr lang="en-US" dirty="0"/>
+          </a:p>
+        </p:txBody>
+      </p:sp>
+    </p:spTree>
+    <p:extLst>
+      <p:ext uri="{BB962C8B-B14F-4D97-AF65-F5344CB8AC3E}">
+        <p14:creationId xmlns="" xmlns:p14="http://schemas.microsoft.com/office/powerpoint/2010/main" val="1816086968"/>
+      </p:ext>
+    </p:extLst>
+  </p:cSld>
+  <p:clrMapOvr>
+    <a:masterClrMapping/>
+  </p:clrMapOvr>
+  <p:timing>
+    <p:tnLst>
+      <p:par>
+        <p:cTn id="1" dur="indefinite" restart="never" nodeType="tmRoot">
+          <p:childTnLst>
+            <p:seq concurrent="1" nextAc="seek">
+              <p:cTn id="2" dur="indefinite" nodeType="mainSeq">
+                <p:childTnLst>
+                  <p:par>
+                    <p:cTn id="3" fill="hold">
+                      <p:stCondLst>
+                        <p:cond delay="indefinite"/>
+                      </p:stCondLst>
+                      <p:childTnLst>
+                        <p:par>
+                          <p:cTn id="4" fill="hold">
+                            <p:stCondLst>
+                              <p:cond delay="0"/>
+                            </p:stCondLst>
+                            <p:childTnLst>
+                              <p:par>
+                                <p:cTn id="5" presetID="1" presetClass="entr" presetSubtype="0" fill="hold" grpId="0" nodeType="clickEffect">
+                                  <p:stCondLst>
+                                    <p:cond delay="0"/>
+                                  </p:stCondLst>
+                                  <p:childTnLst>
+                                    <p:set>
+                                      <p:cBhvr>
+                                        <p:cTn id="6" dur="1" fill="hold">
+                                          <p:stCondLst>
+                                            <p:cond delay="0"/>
+                                          </p:stCondLst>
+                                        </p:cTn>
+                                        <p:tgtEl>
+                                          <p:spTgt spid="3"/>
+                                        </p:tgtEl>
+                                        <p:attrNameLst>
+                                          <p:attrName>style.visibility</p:attrName>
+                                        </p:attrNameLst>
+                                      </p:cBhvr>
+                                      <p:to>
+                                        <p:strVal val="visible"/>
+                                      </p:to>
+                                    </p:set>
+                                  </p:childTnLst>
+                                </p:cTn>
+                              </p:par>
+                              <p:par>
+                                <p:cTn id="7" presetID="1" presetClass="entr" presetSubtype="0" fill="hold" nodeType="withEffect">
+                                  <p:stCondLst>
+                                    <p:cond delay="0"/>
+                                  </p:stCondLst>
+                                  <p:childTnLst>
+                                    <p:set>
+                                      <p:cBhvr>
+                                        <p:cTn id="8" dur="1" fill="hold">
+                                          <p:stCondLst>
+                                            <p:cond delay="0"/>
+                                          </p:stCondLst>
+                                        </p:cTn>
+                                        <p:tgtEl>
+                                          <p:spTgt spid="1026"/>
+                                        </p:tgtEl>
+                                        <p:attrNameLst>
+                                          <p:attrName>style.visibility</p:attrName>
+                                        </p:attrNameLst>
+                                      </p:cBhvr>
+                                      <p:to>
+                                        <p:strVal val="visible"/>
+                                      </p:to>
+                                    </p:set>
+                                  </p:childTnLst>
+                                </p:cTn>
+                              </p:par>
+                            </p:childTnLst>
+                          </p:cTn>
+                        </p:par>
+                      </p:childTnLst>
+                    </p:cTn>
+                  </p:par>
+                </p:childTnLst>
+              </p:cTn>
+              <p:prevCondLst>
+                <p:cond evt="onPrev" delay="0">
+                  <p:tgtEl>
+                    <p:sldTgt/>
+                  </p:tgtEl>
+                </p:cond>
+              </p:prevCondLst>
+              <p:nextCondLst>
+                <p:cond evt="onNext" delay="0">
+                  <p:tgtEl>
+                    <p:sldTgt/>
+                  </p:tgtEl>
+                </p:cond>
+              </p:nextCondLst>
+            </p:seq>
+          </p:childTnLst>
+        </p:cTn>
+      </p:par>
+    </p:tnLst>
+    <p:bldLst>
+      <p:bldP spid="3" grpId="0"/>
+    </p:bldLst>
+  </p:timing>
+</p:sld>
+</file>
+
+<file path=ppt/slides/slide4.xml><?xml version="1.0" encoding="utf-8"?>
+<p:sld xmlns:a="http://schemas.openxmlformats.org/drawingml/2006/main" xmlns:r="http://schemas.openxmlformats.org/officeDocument/2006/relationships" xmlns:p="http://schemas.openxmlformats.org/presentationml/2006/main">
+  <p:cSld>
+    <p:spTree>
+      <p:nvGrpSpPr>
+        <p:cNvPr id="1" name=""/>
+        <p:cNvGrpSpPr/>
+        <p:nvPr/>
+      </p:nvGrpSpPr>
+      <p:grpSpPr>
+        <a:xfrm>
+          <a:off x="0" y="0"/>
+          <a:ext cx="0" cy="0"/>
+          <a:chOff x="0" y="0"/>
+          <a:chExt cx="0" cy="0"/>
+        </a:xfrm>
+      </p:grpSpPr>
+      <p:sp>
+        <p:nvSpPr>
+          <p:cNvPr id="7" name="Rectangle 6"/>
+          <p:cNvSpPr/>
+          <p:nvPr/>
+        </p:nvSpPr>
+        <p:spPr>
+          <a:xfrm>
+            <a:off x="406574" y="1196752"/>
+            <a:ext cx="11233030" cy="707886"/>
+          </a:xfrm>
+          <a:prstGeom prst="rect">
+            <a:avLst/>
+          </a:prstGeom>
+        </p:spPr>
+        <p:txBody>
+          <a:bodyPr wrap="square">
+            <a:spAutoFit/>
+          </a:bodyPr>
+          <a:lstStyle/>
+          <a:p>
+            <a:r>
+              <a:rPr lang="en-US" sz="2000" dirty="0">
+                <a:latin typeface="Liberation Mono"/>
+              </a:rPr>
+              <a:t>SELECT column-list from &lt;table_references</a:t>
+            </a:r>
+            <a:r>
+              <a:rPr lang="en-US" sz="2000" dirty="0">
+                <a:uFill>
+                  <a:solidFill>
+                    <a:srgbClr val="FF0000"/>
+                  </a:solidFill>
+                </a:uFill>
+                <a:latin typeface="Liberation Mono"/>
+              </a:rPr>
+              <a:t>&gt; </a:t>
+            </a:r>
+            <a:r>
+              <a:rPr lang="en-US" sz="2000" dirty="0">
+                <a:latin typeface="Liberation Mono"/>
+              </a:rPr>
+              <a:t>[INNER] JOIN &lt;table_references&gt; ON table1.column-name = table2.column-name</a:t>
+            </a:r>
+          </a:p>
+        </p:txBody>
+      </p:sp>
+      <p:pic>
+        <p:nvPicPr>
+          <p:cNvPr id="8" name="Picture 7">
+            <a:extLst>
+              <a:ext uri="{FF2B5EF4-FFF2-40B4-BE49-F238E27FC236}">
+                <a16:creationId xmlns="" xmlns:a16="http://schemas.microsoft.com/office/drawing/2014/main" id="{0F9CE1C2-C3EE-4C9B-8F08-A833D4695BFA}"/>
+              </a:ext>
+            </a:extLst>
+          </p:cNvPr>
+          <p:cNvPicPr>
+            <a:picLocks noChangeAspect="1"/>
+          </p:cNvPicPr>
+          <p:nvPr/>
+        </p:nvPicPr>
+        <p:blipFill>
+          <a:blip r:embed="rId3" cstate="print">
+            <a:extLst>
+              <a:ext uri="{28A0092B-C50C-407E-A947-70E740481C1C}">
+                <a14:useLocalDpi xmlns="" xmlns:a14="http://schemas.microsoft.com/office/drawing/2010/main" val="0"/>
+              </a:ext>
+            </a:extLst>
+          </a:blip>
+          <a:stretch>
+            <a:fillRect/>
+          </a:stretch>
+        </p:blipFill>
+        <p:spPr>
+          <a:xfrm>
+            <a:off x="118542" y="116632"/>
+            <a:ext cx="1371859" cy="445150"/>
+          </a:xfrm>
+          <a:prstGeom prst="rect">
+            <a:avLst/>
+          </a:prstGeom>
+        </p:spPr>
+      </p:pic>
+      <p:sp>
+        <p:nvSpPr>
+          <p:cNvPr id="9" name="Rectangle 8"/>
+          <p:cNvSpPr/>
+          <p:nvPr/>
+        </p:nvSpPr>
+        <p:spPr>
+          <a:xfrm>
+            <a:off x="1523802" y="2"/>
+            <a:ext cx="9142810" cy="584775"/>
+          </a:xfrm>
+          <a:prstGeom prst="rect">
+            <a:avLst/>
+          </a:prstGeom>
+          <a:solidFill>
+            <a:schemeClr val="bg1"/>
+          </a:solidFill>
+        </p:spPr>
+        <p:txBody>
+          <a:bodyPr wrap="square">
+            <a:spAutoFit/>
+          </a:bodyPr>
+          <a:lstStyle/>
+          <a:p>
+            <a:pPr algn="r"/>
+            <a:r>
+              <a:rPr lang="en-US" sz="3200" b="1" i="1" dirty="0" smtClean="0">
+                <a:latin typeface="Arial" pitchFamily="34" charset="0"/>
+                <a:cs typeface="Arial" pitchFamily="34" charset="0"/>
+              </a:rPr>
+              <a:t>inner join</a:t>
+            </a:r>
+            <a:endParaRPr lang="en-IN" sz="3200" b="1" i="1" dirty="0">
+              <a:latin typeface="Arial" pitchFamily="34" charset="0"/>
+              <a:cs typeface="Arial" pitchFamily="34" charset="0"/>
+            </a:endParaRPr>
+          </a:p>
+        </p:txBody>
+      </p:sp>
+      <p:sp>
+        <p:nvSpPr>
+          <p:cNvPr id="13" name="Rectangle 12"/>
+          <p:cNvSpPr/>
+          <p:nvPr/>
+        </p:nvSpPr>
+        <p:spPr>
+          <a:xfrm>
+            <a:off x="406574" y="836712"/>
+            <a:ext cx="851515" cy="369332"/>
+          </a:xfrm>
+          <a:prstGeom prst="rect">
+            <a:avLst/>
+          </a:prstGeom>
+        </p:spPr>
+        <p:txBody>
+          <a:bodyPr wrap="none">
+            <a:spAutoFit/>
+          </a:bodyPr>
+          <a:lstStyle/>
+          <a:p>
+            <a:r>
+              <a:rPr lang="en-US" dirty="0" smtClean="0">
+                <a:latin typeface="Liberation Mono"/>
+              </a:rPr>
+              <a:t>syntex</a:t>
+            </a:r>
+            <a:endParaRPr lang="en-US" dirty="0"/>
+          </a:p>
+        </p:txBody>
+      </p:sp>
+      <p:sp>
+        <p:nvSpPr>
+          <p:cNvPr id="14" name="Rectangle 13"/>
+          <p:cNvSpPr/>
+          <p:nvPr/>
+        </p:nvSpPr>
+        <p:spPr>
+          <a:xfrm>
+            <a:off x="202398" y="2204864"/>
+            <a:ext cx="11444604" cy="646331"/>
+          </a:xfrm>
+          <a:prstGeom prst="rect">
+            <a:avLst/>
+          </a:prstGeom>
+        </p:spPr>
+        <p:txBody>
+          <a:bodyPr wrap="square">
+            <a:spAutoFit/>
+          </a:bodyPr>
+          <a:lstStyle/>
+          <a:p>
+            <a:pPr marL="285750" indent="-285750">
+              <a:buFont typeface="Arial" panose="020B0604020202020204" pitchFamily="34" charset="0"/>
+              <a:buChar char="•"/>
+            </a:pPr>
+            <a:r>
+              <a:rPr lang="en-US" dirty="0">
+                <a:latin typeface="Arial" panose="020B0604020202020204" pitchFamily="34" charset="0"/>
+                <a:ea typeface="Times New Roman" panose="02020603050405020304" pitchFamily="18" charset="0"/>
+                <a:cs typeface="Arial" panose="020B0604020202020204" pitchFamily="34" charset="0"/>
+              </a:rPr>
+              <a:t>SELECT</a:t>
+            </a:r>
+            <a:r>
+              <a:rPr lang="en-US" dirty="0">
+                <a:latin typeface="Arial" panose="020B0604020202020204" pitchFamily="34" charset="0"/>
+                <a:cs typeface="Arial" panose="020B0604020202020204" pitchFamily="34" charset="0"/>
+              </a:rPr>
+              <a:t> </a:t>
+            </a:r>
+            <a:r>
+              <a:rPr lang="en-US" dirty="0" smtClean="0">
+                <a:latin typeface="Arial" panose="020B0604020202020204" pitchFamily="34" charset="0"/>
+                <a:cs typeface="Arial" panose="020B0604020202020204" pitchFamily="34" charset="0"/>
+              </a:rPr>
+              <a:t>s.ID, s.nameFirst,s.nameLast, a.address </a:t>
+            </a:r>
+            <a:r>
+              <a:rPr lang="en-US" dirty="0">
+                <a:latin typeface="Arial" panose="020B0604020202020204" pitchFamily="34" charset="0"/>
+                <a:ea typeface="Times New Roman" panose="02020603050405020304" pitchFamily="18" charset="0"/>
+                <a:cs typeface="Arial" panose="020B0604020202020204" pitchFamily="34" charset="0"/>
+              </a:rPr>
+              <a:t>FROM</a:t>
+            </a:r>
+            <a:r>
+              <a:rPr lang="en-US" dirty="0">
+                <a:latin typeface="Arial" panose="020B0604020202020204" pitchFamily="34" charset="0"/>
+                <a:cs typeface="Arial" panose="020B0604020202020204" pitchFamily="34" charset="0"/>
+              </a:rPr>
+              <a:t> </a:t>
+            </a:r>
+            <a:r>
+              <a:rPr lang="en-IN" dirty="0">
+                <a:latin typeface="Arial" panose="020B0604020202020204" pitchFamily="34" charset="0"/>
+              </a:rPr>
+              <a:t>student </a:t>
+            </a:r>
+            <a:r>
+              <a:rPr lang="en-IN" dirty="0" smtClean="0">
+                <a:latin typeface="Arial" panose="020B0604020202020204" pitchFamily="34" charset="0"/>
+              </a:rPr>
+              <a:t>s </a:t>
+            </a:r>
+            <a:r>
+              <a:rPr lang="en-IN" b="1" dirty="0" smtClean="0">
+                <a:latin typeface="Arial" panose="020B0604020202020204" pitchFamily="34" charset="0"/>
+              </a:rPr>
+              <a:t>INNER JOIN</a:t>
+            </a:r>
+            <a:r>
+              <a:rPr lang="en-US" dirty="0" smtClean="0">
+                <a:latin typeface="Arial" panose="020B0604020202020204" pitchFamily="34" charset="0"/>
+                <a:cs typeface="Arial" panose="020B0604020202020204" pitchFamily="34" charset="0"/>
+              </a:rPr>
+              <a:t> </a:t>
+            </a:r>
+            <a:r>
+              <a:rPr lang="en-IN" dirty="0">
+                <a:latin typeface="Arial" panose="020B0604020202020204" pitchFamily="34" charset="0"/>
+              </a:rPr>
+              <a:t>student_</a:t>
+            </a:r>
+            <a:r>
+              <a:rPr lang="en-US" dirty="0">
+                <a:latin typeface="Arial" panose="020B0604020202020204" pitchFamily="34" charset="0"/>
+                <a:cs typeface="Arial" panose="020B0604020202020204" pitchFamily="34" charset="0"/>
+              </a:rPr>
+              <a:t>address a </a:t>
+            </a:r>
+            <a:r>
+              <a:rPr lang="en-US" b="1" dirty="0" smtClean="0">
+                <a:latin typeface="Arial" panose="020B0604020202020204" pitchFamily="34" charset="0"/>
+              </a:rPr>
+              <a:t>ON</a:t>
+            </a:r>
+            <a:r>
+              <a:rPr lang="en-US" dirty="0" smtClean="0">
+                <a:latin typeface="Arial" panose="020B0604020202020204" pitchFamily="34" charset="0"/>
+                <a:cs typeface="Arial" panose="020B0604020202020204" pitchFamily="34" charset="0"/>
+              </a:rPr>
+              <a:t> </a:t>
+            </a:r>
+            <a:r>
+              <a:rPr lang="en-US" dirty="0">
+                <a:latin typeface="Arial" panose="020B0604020202020204" pitchFamily="34" charset="0"/>
+                <a:cs typeface="Arial" panose="020B0604020202020204" pitchFamily="34" charset="0"/>
+              </a:rPr>
+              <a:t>s.ID = a.</a:t>
+            </a:r>
+            <a:r>
+              <a:rPr lang="en-IN" dirty="0">
+                <a:latin typeface="Arial" panose="020B0604020202020204" pitchFamily="34" charset="0"/>
+              </a:rPr>
+              <a:t>studentID</a:t>
+            </a:r>
+            <a:r>
+              <a:rPr lang="en-US" dirty="0">
+                <a:latin typeface="Arial" panose="020B0604020202020204" pitchFamily="34" charset="0"/>
+                <a:cs typeface="Arial" panose="020B0604020202020204" pitchFamily="34" charset="0"/>
+              </a:rPr>
+              <a:t>;</a:t>
+            </a:r>
+          </a:p>
+        </p:txBody>
+      </p:sp>
+      <p:pic>
+        <p:nvPicPr>
+          <p:cNvPr id="15" name="Picture 2"/>
+          <p:cNvPicPr>
+            <a:picLocks noChangeAspect="1" noChangeArrowheads="1"/>
+          </p:cNvPicPr>
+          <p:nvPr/>
+        </p:nvPicPr>
+        <p:blipFill>
+          <a:blip r:embed="rId4" cstate="print"/>
+          <a:srcRect/>
+          <a:stretch>
+            <a:fillRect/>
+          </a:stretch>
+        </p:blipFill>
+        <p:spPr bwMode="auto">
+          <a:xfrm>
+            <a:off x="334566" y="3025988"/>
+            <a:ext cx="11474172" cy="3168352"/>
+          </a:xfrm>
+          <a:prstGeom prst="rect">
+            <a:avLst/>
+          </a:prstGeom>
+          <a:noFill/>
+          <a:ln w="9525">
+            <a:noFill/>
+            <a:miter lim="800000"/>
+            <a:headEnd/>
+            <a:tailEnd/>
+          </a:ln>
+        </p:spPr>
+      </p:pic>
+    </p:spTree>
+    <p:extLst>
+      <p:ext uri="{BB962C8B-B14F-4D97-AF65-F5344CB8AC3E}">
+        <p14:creationId xmlns="" xmlns:p14="http://schemas.microsoft.com/office/powerpoint/2010/main" val="3295181206"/>
+      </p:ext>
+    </p:extLst>
+  </p:cSld>
+  <p:clrMapOvr>
+    <a:masterClrMapping/>
+  </p:clrMapOvr>
+  <p:timing>
+    <p:tnLst>
+      <p:par>
+        <p:cTn id="1" dur="indefinite" restart="never" nodeType="tmRoot">
+          <p:childTnLst>
+            <p:seq concurrent="1" nextAc="seek">
+              <p:cTn id="2" dur="indefinite" nodeType="mainSeq">
+                <p:childTnLst>
+                  <p:par>
+                    <p:cTn id="3" fill="hold">
+                      <p:stCondLst>
+                        <p:cond delay="indefinite"/>
+                      </p:stCondLst>
+                      <p:childTnLst>
+                        <p:par>
+                          <p:cTn id="4" fill="hold">
+                            <p:stCondLst>
+                              <p:cond delay="0"/>
+                            </p:stCondLst>
+                            <p:childTnLst>
+                              <p:par>
+                                <p:cTn id="5" presetID="1" presetClass="entr" presetSubtype="0" fill="hold" grpId="0" nodeType="clickEffect">
+                                  <p:stCondLst>
+                                    <p:cond delay="0"/>
+                                  </p:stCondLst>
+                                  <p:childTnLst>
+                                    <p:set>
+                                      <p:cBhvr>
+                                        <p:cTn id="6" dur="1" fill="hold">
+                                          <p:stCondLst>
+                                            <p:cond delay="0"/>
+                                          </p:stCondLst>
+                                        </p:cTn>
+                                        <p:tgtEl>
+                                          <p:spTgt spid="14"/>
+                                        </p:tgtEl>
+                                        <p:attrNameLst>
+                                          <p:attrName>style.visibility</p:attrName>
+                                        </p:attrNameLst>
+                                      </p:cBhvr>
+                                      <p:to>
+                                        <p:strVal val="visible"/>
+                                      </p:to>
+                                    </p:set>
+                                  </p:childTnLst>
+                                </p:cTn>
+                              </p:par>
+                              <p:par>
+                                <p:cTn id="7" presetID="1" presetClass="entr" presetSubtype="0" fill="hold" nodeType="withEffect">
+                                  <p:stCondLst>
+                                    <p:cond delay="0"/>
+                                  </p:stCondLst>
+                                  <p:childTnLst>
+                                    <p:set>
+                                      <p:cBhvr>
+                                        <p:cTn id="8" dur="1" fill="hold">
+                                          <p:stCondLst>
+                                            <p:cond delay="0"/>
+                                          </p:stCondLst>
+                                        </p:cTn>
+                                        <p:tgtEl>
+                                          <p:spTgt spid="15"/>
+                                        </p:tgtEl>
+                                        <p:attrNameLst>
+                                          <p:attrName>style.visibility</p:attrName>
+                                        </p:attrNameLst>
+                                      </p:cBhvr>
+                                      <p:to>
+                                        <p:strVal val="visible"/>
+                                      </p:to>
+                                    </p:set>
+                                  </p:childTnLst>
+                                </p:cTn>
+                              </p:par>
+                            </p:childTnLst>
+                          </p:cTn>
+                        </p:par>
+                      </p:childTnLst>
+                    </p:cTn>
+                  </p:par>
+                </p:childTnLst>
+              </p:cTn>
+              <p:prevCondLst>
+                <p:cond evt="onPrev" delay="0">
+                  <p:tgtEl>
+                    <p:sldTgt/>
+                  </p:tgtEl>
+                </p:cond>
+              </p:prevCondLst>
+              <p:nextCondLst>
+                <p:cond evt="onNext" delay="0">
+                  <p:tgtEl>
+                    <p:sldTgt/>
+                  </p:tgtEl>
+                </p:cond>
+              </p:nextCondLst>
+            </p:seq>
+          </p:childTnLst>
+        </p:cTn>
+      </p:par>
+    </p:tnLst>
+    <p:bldLst>
+      <p:bldP spid="14" grpId="0"/>
+    </p:bldLst>
+  </p:timing>
+</p:sld>
+</file>
+
+<file path=ppt/slides/slide5.xml><?xml version="1.0" encoding="utf-8"?>
+<p:sld xmlns:a="http://schemas.openxmlformats.org/drawingml/2006/main" xmlns:r="http://schemas.openxmlformats.org/officeDocument/2006/relationships" xmlns:p="http://schemas.openxmlformats.org/presentationml/2006/main">
+  <p:cSld>
+    <p:spTree>
+      <p:nvGrpSpPr>
+        <p:cNvPr id="1" name=""/>
+        <p:cNvGrpSpPr/>
+        <p:nvPr/>
+      </p:nvGrpSpPr>
+      <p:grpSpPr>
+        <a:xfrm>
+          <a:off x="0" y="0"/>
+          <a:ext cx="0" cy="0"/>
+          <a:chOff x="0" y="0"/>
+          <a:chExt cx="0" cy="0"/>
+        </a:xfrm>
+      </p:grpSpPr>
+      <p:sp>
+        <p:nvSpPr>
+          <p:cNvPr id="4" name="Rectangle 3"/>
+          <p:cNvSpPr/>
+          <p:nvPr/>
+        </p:nvSpPr>
+        <p:spPr>
+          <a:xfrm>
+            <a:off x="1523802" y="2"/>
+            <a:ext cx="9142810" cy="584775"/>
+          </a:xfrm>
+          <a:prstGeom prst="rect">
+            <a:avLst/>
+          </a:prstGeom>
+          <a:solidFill>
+            <a:schemeClr val="bg1"/>
+          </a:solidFill>
+        </p:spPr>
+        <p:txBody>
+          <a:bodyPr wrap="square">
+            <a:spAutoFit/>
+          </a:bodyPr>
+          <a:lstStyle/>
+          <a:p>
+            <a:pPr algn="r"/>
+            <a:r>
+              <a:rPr lang="en-US" sz="3200" b="1" dirty="0" smtClean="0"/>
+              <a:t>Difference between INNER JOIN  and  Natural JOIN</a:t>
+            </a:r>
+            <a:endParaRPr lang="en-IN" sz="3200" b="1" i="1" dirty="0">
+              <a:latin typeface="Arial" pitchFamily="34" charset="0"/>
+              <a:cs typeface="Arial" pitchFamily="34" charset="0"/>
+            </a:endParaRPr>
+          </a:p>
+        </p:txBody>
+      </p:sp>
+      <p:pic>
+        <p:nvPicPr>
+          <p:cNvPr id="7" name="Picture 6">
+            <a:extLst>
+              <a:ext uri="{FF2B5EF4-FFF2-40B4-BE49-F238E27FC236}">
+                <a16:creationId xmlns="" xmlns:a16="http://schemas.microsoft.com/office/drawing/2014/main" id="{D549EEF8-0DDC-4ADB-8B68-691DD0B6B1E9}"/>
+              </a:ext>
+            </a:extLst>
+          </p:cNvPr>
+          <p:cNvPicPr>
+            <a:picLocks noChangeAspect="1"/>
+          </p:cNvPicPr>
+          <p:nvPr/>
+        </p:nvPicPr>
+        <p:blipFill>
+          <a:blip r:embed="rId2" cstate="print">
+            <a:extLst>
+              <a:ext uri="{28A0092B-C50C-407E-A947-70E740481C1C}">
+                <a14:useLocalDpi xmlns="" xmlns:a14="http://schemas.microsoft.com/office/drawing/2010/main" val="0"/>
+              </a:ext>
+            </a:extLst>
+          </a:blip>
+          <a:stretch>
+            <a:fillRect/>
+          </a:stretch>
+        </p:blipFill>
+        <p:spPr>
+          <a:xfrm>
+            <a:off x="118542" y="116632"/>
+            <a:ext cx="1371859" cy="445150"/>
+          </a:xfrm>
+          <a:prstGeom prst="rect">
+            <a:avLst/>
+          </a:prstGeom>
+        </p:spPr>
+      </p:pic>
       <p:sp>
         <p:nvSpPr>
           <p:cNvPr id="9" name="Footer Placeholder 2">
             <a:extLst>
               <a:ext uri="{FF2B5EF4-FFF2-40B4-BE49-F238E27FC236}">
-                <a16:creationId xmlns:a16="http://schemas.microsoft.com/office/drawing/2014/main" xmlns="" id="{FE7D71F0-97C1-4A7C-A634-BE2CA956F0C6}"/>
+                <a16:creationId xmlns="" xmlns:a16="http://schemas.microsoft.com/office/drawing/2014/main" id="{FE7D71F0-97C1-4A7C-A634-BE2CA956F0C6}"/>
               </a:ext>
             </a:extLst>
           </p:cNvPr>
@@ -6039,8 +5678,20 @@
             <a:tbl>
               <a:tblPr/>
               <a:tblGrid>
-                <a:gridCol w="5832648"/>
-                <a:gridCol w="5832648"/>
+                <a:gridCol w="5832648">
+                  <a:extLst>
+                    <a:ext uri="{9D8B030D-6E8A-4147-A177-3AD203B41FA5}">
+                      <a16:colId xmlns="" xmlns:a16="http://schemas.microsoft.com/office/drawing/2014/main" val="20000"/>
+                    </a:ext>
+                  </a:extLst>
+                </a:gridCol>
+                <a:gridCol w="5832648">
+                  <a:extLst>
+                    <a:ext uri="{9D8B030D-6E8A-4147-A177-3AD203B41FA5}">
+                      <a16:colId xmlns="" xmlns:a16="http://schemas.microsoft.com/office/drawing/2014/main" val="20001"/>
+                    </a:ext>
+                  </a:extLst>
+                </a:gridCol>
               </a:tblGrid>
               <a:tr h="285693">
                 <a:tc>
@@ -6153,6 +5804,11 @@
                     <a:noFill/>
                   </a:tcPr>
                 </a:tc>
+                <a:extLst>
+                  <a:ext uri="{0D108BD9-81ED-4DB2-BD59-A6C34878D82A}">
+                    <a16:rowId xmlns="" xmlns:a16="http://schemas.microsoft.com/office/drawing/2014/main" val="10000"/>
+                  </a:ext>
+                </a:extLst>
               </a:tr>
               <a:tr h="1007577">
                 <a:tc>
@@ -6275,6 +5931,11 @@
                     </a:solidFill>
                   </a:tcPr>
                 </a:tc>
+                <a:extLst>
+                  <a:ext uri="{0D108BD9-81ED-4DB2-BD59-A6C34878D82A}">
+                    <a16:rowId xmlns="" xmlns:a16="http://schemas.microsoft.com/office/drawing/2014/main" val="10001"/>
+                  </a:ext>
+                </a:extLst>
               </a:tr>
               <a:tr h="1374897">
                 <a:tc>
@@ -6384,6 +6045,11 @@
                     </a:solidFill>
                   </a:tcPr>
                 </a:tc>
+                <a:extLst>
+                  <a:ext uri="{0D108BD9-81ED-4DB2-BD59-A6C34878D82A}">
+                    <a16:rowId xmlns="" xmlns:a16="http://schemas.microsoft.com/office/drawing/2014/main" val="10002"/>
+                  </a:ext>
+                </a:extLst>
               </a:tr>
               <a:tr h="1191237">
                 <a:tc>
@@ -6511,6 +6177,11 @@
                     </a:solidFill>
                   </a:tcPr>
                 </a:tc>
+                <a:extLst>
+                  <a:ext uri="{0D108BD9-81ED-4DB2-BD59-A6C34878D82A}">
+                    <a16:rowId xmlns="" xmlns:a16="http://schemas.microsoft.com/office/drawing/2014/main" val="10003"/>
+                  </a:ext>
+                </a:extLst>
               </a:tr>
               <a:tr h="1558556">
                 <a:tc>
@@ -6655,6 +6326,11 @@
                     </a:solidFill>
                   </a:tcPr>
                 </a:tc>
+                <a:extLst>
+                  <a:ext uri="{0D108BD9-81ED-4DB2-BD59-A6C34878D82A}">
+                    <a16:rowId xmlns="" xmlns:a16="http://schemas.microsoft.com/office/drawing/2014/main" val="10004"/>
+                  </a:ext>
+                </a:extLst>
               </a:tr>
             </a:tbl>
           </a:graphicData>
@@ -6663,7 +6339,7 @@
     </p:spTree>
     <p:extLst>
       <p:ext uri="{BB962C8B-B14F-4D97-AF65-F5344CB8AC3E}">
-        <p14:creationId xmlns:p14="http://schemas.microsoft.com/office/powerpoint/2010/main" xmlns="" val="3160401395"/>
+        <p14:creationId xmlns="" xmlns:p14="http://schemas.microsoft.com/office/powerpoint/2010/main" val="3160401395"/>
       </p:ext>
     </p:extLst>
   </p:cSld>
@@ -6676,889 +6352,6 @@
         <p:cTn id="1" dur="indefinite" restart="never" nodeType="tmRoot"/>
       </p:par>
     </p:tnLst>
-  </p:timing>
-</p:sld>
-</file>
-
-<file path=ppt/slides/slide4.xml><?xml version="1.0" encoding="utf-8"?>
-<p:sld xmlns:a="http://schemas.openxmlformats.org/drawingml/2006/main" xmlns:r="http://schemas.openxmlformats.org/officeDocument/2006/relationships" xmlns:p="http://schemas.openxmlformats.org/presentationml/2006/main">
-  <p:cSld>
-    <p:spTree>
-      <p:nvGrpSpPr>
-        <p:cNvPr id="1" name=""/>
-        <p:cNvGrpSpPr/>
-        <p:nvPr/>
-      </p:nvGrpSpPr>
-      <p:grpSpPr>
-        <a:xfrm>
-          <a:off x="0" y="0"/>
-          <a:ext cx="0" cy="0"/>
-          <a:chOff x="0" y="0"/>
-          <a:chExt cx="0" cy="0"/>
-        </a:xfrm>
-      </p:grpSpPr>
-      <p:sp>
-        <p:nvSpPr>
-          <p:cNvPr id="4" name="Rectangle 3"/>
-          <p:cNvSpPr/>
-          <p:nvPr/>
-        </p:nvSpPr>
-        <p:spPr>
-          <a:xfrm>
-            <a:off x="1523802" y="2"/>
-            <a:ext cx="9142810" cy="584775"/>
-          </a:xfrm>
-          <a:prstGeom prst="rect">
-            <a:avLst/>
-          </a:prstGeom>
-          <a:solidFill>
-            <a:schemeClr val="bg1"/>
-          </a:solidFill>
-        </p:spPr>
-        <p:txBody>
-          <a:bodyPr wrap="square">
-            <a:spAutoFit/>
-          </a:bodyPr>
-          <a:lstStyle/>
-          <a:p>
-            <a:pPr algn="r"/>
-            <a:r>
-              <a:rPr lang="en-US" sz="3200" b="1" i="1" dirty="0" smtClean="0">
-                <a:latin typeface="Arial" pitchFamily="34" charset="0"/>
-                <a:cs typeface="Arial" pitchFamily="34" charset="0"/>
-              </a:rPr>
-              <a:t>equi </a:t>
-            </a:r>
-            <a:r>
-              <a:rPr lang="en-US" sz="3200" b="1" i="1" dirty="0">
-                <a:latin typeface="Arial" pitchFamily="34" charset="0"/>
-                <a:cs typeface="Arial" pitchFamily="34" charset="0"/>
-              </a:rPr>
-              <a:t>join</a:t>
-            </a:r>
-            <a:endParaRPr lang="en-IN" sz="3200" b="1" i="1" dirty="0">
-              <a:latin typeface="Arial" pitchFamily="34" charset="0"/>
-              <a:cs typeface="Arial" pitchFamily="34" charset="0"/>
-            </a:endParaRPr>
-          </a:p>
-        </p:txBody>
-      </p:sp>
-      <p:sp>
-        <p:nvSpPr>
-          <p:cNvPr id="7" name="Rectangle 6"/>
-          <p:cNvSpPr/>
-          <p:nvPr/>
-        </p:nvSpPr>
-        <p:spPr>
-          <a:xfrm>
-            <a:off x="406574" y="1208946"/>
-            <a:ext cx="11444604" cy="707886"/>
-          </a:xfrm>
-          <a:prstGeom prst="rect">
-            <a:avLst/>
-          </a:prstGeom>
-        </p:spPr>
-        <p:txBody>
-          <a:bodyPr wrap="square">
-            <a:spAutoFit/>
-          </a:bodyPr>
-          <a:lstStyle/>
-          <a:p>
-            <a:r>
-              <a:rPr lang="en-US" sz="2000" dirty="0">
-                <a:latin typeface="Liberation Mono"/>
-              </a:rPr>
-              <a:t>SELECT column-list from &lt;table_references&gt;, &lt;table_references&gt; WHERE table1.column-name = table2.column-name</a:t>
-            </a:r>
-          </a:p>
-        </p:txBody>
-      </p:sp>
-      <p:sp>
-        <p:nvSpPr>
-          <p:cNvPr id="3" name="Rectangle 2"/>
-          <p:cNvSpPr/>
-          <p:nvPr/>
-        </p:nvSpPr>
-        <p:spPr>
-          <a:xfrm>
-            <a:off x="202398" y="2204864"/>
-            <a:ext cx="11444604" cy="646331"/>
-          </a:xfrm>
-          <a:prstGeom prst="rect">
-            <a:avLst/>
-          </a:prstGeom>
-        </p:spPr>
-        <p:txBody>
-          <a:bodyPr wrap="square">
-            <a:spAutoFit/>
-          </a:bodyPr>
-          <a:lstStyle/>
-          <a:p>
-            <a:pPr marL="285750" indent="-285750">
-              <a:buFont typeface="Arial" panose="020B0604020202020204" pitchFamily="34" charset="0"/>
-              <a:buChar char="•"/>
-            </a:pPr>
-            <a:r>
-              <a:rPr lang="en-US" dirty="0">
-                <a:latin typeface="Arial" panose="020B0604020202020204" pitchFamily="34" charset="0"/>
-                <a:ea typeface="Times New Roman" panose="02020603050405020304" pitchFamily="18" charset="0"/>
-                <a:cs typeface="Arial" panose="020B0604020202020204" pitchFamily="34" charset="0"/>
-              </a:rPr>
-              <a:t>SELECT</a:t>
-            </a:r>
-            <a:r>
-              <a:rPr lang="en-US" dirty="0">
-                <a:latin typeface="Arial" panose="020B0604020202020204" pitchFamily="34" charset="0"/>
-                <a:cs typeface="Arial" panose="020B0604020202020204" pitchFamily="34" charset="0"/>
-              </a:rPr>
-              <a:t> </a:t>
-            </a:r>
-            <a:r>
-              <a:rPr lang="en-US" dirty="0" smtClean="0">
-                <a:latin typeface="Arial" panose="020B0604020202020204" pitchFamily="34" charset="0"/>
-                <a:cs typeface="Arial" panose="020B0604020202020204" pitchFamily="34" charset="0"/>
-              </a:rPr>
-              <a:t>s.ID, s.nameFirst,s.nameLast, a.address </a:t>
-            </a:r>
-            <a:r>
-              <a:rPr lang="en-US" dirty="0">
-                <a:latin typeface="Arial" panose="020B0604020202020204" pitchFamily="34" charset="0"/>
-                <a:ea typeface="Times New Roman" panose="02020603050405020304" pitchFamily="18" charset="0"/>
-                <a:cs typeface="Arial" panose="020B0604020202020204" pitchFamily="34" charset="0"/>
-              </a:rPr>
-              <a:t>FROM</a:t>
-            </a:r>
-            <a:r>
-              <a:rPr lang="en-US" dirty="0">
-                <a:latin typeface="Arial" panose="020B0604020202020204" pitchFamily="34" charset="0"/>
-                <a:cs typeface="Arial" panose="020B0604020202020204" pitchFamily="34" charset="0"/>
-              </a:rPr>
-              <a:t> </a:t>
-            </a:r>
-            <a:r>
-              <a:rPr lang="en-IN" dirty="0">
-                <a:latin typeface="Arial" panose="020B0604020202020204" pitchFamily="34" charset="0"/>
-              </a:rPr>
-              <a:t>student s</a:t>
-            </a:r>
-            <a:r>
-              <a:rPr lang="en-US" dirty="0">
-                <a:latin typeface="Arial" panose="020B0604020202020204" pitchFamily="34" charset="0"/>
-                <a:cs typeface="Arial" panose="020B0604020202020204" pitchFamily="34" charset="0"/>
-              </a:rPr>
-              <a:t>, </a:t>
-            </a:r>
-            <a:r>
-              <a:rPr lang="en-IN" dirty="0">
-                <a:latin typeface="Arial" panose="020B0604020202020204" pitchFamily="34" charset="0"/>
-              </a:rPr>
-              <a:t>student_</a:t>
-            </a:r>
-            <a:r>
-              <a:rPr lang="en-US" dirty="0">
-                <a:latin typeface="Arial" panose="020B0604020202020204" pitchFamily="34" charset="0"/>
-                <a:cs typeface="Arial" panose="020B0604020202020204" pitchFamily="34" charset="0"/>
-              </a:rPr>
-              <a:t>address a </a:t>
-            </a:r>
-            <a:r>
-              <a:rPr lang="en-US" dirty="0">
-                <a:latin typeface="Arial" panose="020B0604020202020204" pitchFamily="34" charset="0"/>
-              </a:rPr>
-              <a:t>WHERE</a:t>
-            </a:r>
-            <a:r>
-              <a:rPr lang="en-US" dirty="0">
-                <a:latin typeface="Arial" panose="020B0604020202020204" pitchFamily="34" charset="0"/>
-                <a:cs typeface="Arial" panose="020B0604020202020204" pitchFamily="34" charset="0"/>
-              </a:rPr>
-              <a:t> s.ID = a.</a:t>
-            </a:r>
-            <a:r>
-              <a:rPr lang="en-IN" dirty="0">
-                <a:latin typeface="Arial" panose="020B0604020202020204" pitchFamily="34" charset="0"/>
-              </a:rPr>
-              <a:t>studentID</a:t>
-            </a:r>
-            <a:r>
-              <a:rPr lang="en-US" dirty="0">
-                <a:latin typeface="Arial" panose="020B0604020202020204" pitchFamily="34" charset="0"/>
-                <a:cs typeface="Arial" panose="020B0604020202020204" pitchFamily="34" charset="0"/>
-              </a:rPr>
-              <a:t>;</a:t>
-            </a:r>
-          </a:p>
-        </p:txBody>
-      </p:sp>
-      <p:pic>
-        <p:nvPicPr>
-          <p:cNvPr id="8" name="Picture 7">
-            <a:extLst>
-              <a:ext uri="{FF2B5EF4-FFF2-40B4-BE49-F238E27FC236}">
-                <a16:creationId xmlns:a16="http://schemas.microsoft.com/office/drawing/2014/main" xmlns="" id="{FEA8C22B-921E-481F-8797-57B673F1241B}"/>
-              </a:ext>
-            </a:extLst>
-          </p:cNvPr>
-          <p:cNvPicPr>
-            <a:picLocks noChangeAspect="1"/>
-          </p:cNvPicPr>
-          <p:nvPr/>
-        </p:nvPicPr>
-        <p:blipFill>
-          <a:blip r:embed="rId2" cstate="print">
-            <a:extLst>
-              <a:ext uri="{28A0092B-C50C-407E-A947-70E740481C1C}">
-                <a14:useLocalDpi xmlns:a14="http://schemas.microsoft.com/office/drawing/2010/main" xmlns="" val="0"/>
-              </a:ext>
-            </a:extLst>
-          </a:blip>
-          <a:stretch>
-            <a:fillRect/>
-          </a:stretch>
-        </p:blipFill>
-        <p:spPr>
-          <a:xfrm>
-            <a:off x="118542" y="116632"/>
-            <a:ext cx="1371859" cy="445150"/>
-          </a:xfrm>
-          <a:prstGeom prst="rect">
-            <a:avLst/>
-          </a:prstGeom>
-        </p:spPr>
-      </p:pic>
-      <p:pic>
-        <p:nvPicPr>
-          <p:cNvPr id="1026" name="Picture 2"/>
-          <p:cNvPicPr>
-            <a:picLocks noChangeAspect="1" noChangeArrowheads="1"/>
-          </p:cNvPicPr>
-          <p:nvPr/>
-        </p:nvPicPr>
-        <p:blipFill>
-          <a:blip r:embed="rId3" cstate="print"/>
-          <a:srcRect/>
-          <a:stretch>
-            <a:fillRect/>
-          </a:stretch>
-        </p:blipFill>
-        <p:spPr bwMode="auto">
-          <a:xfrm>
-            <a:off x="334566" y="3025988"/>
-            <a:ext cx="11474172" cy="3168352"/>
-          </a:xfrm>
-          <a:prstGeom prst="rect">
-            <a:avLst/>
-          </a:prstGeom>
-          <a:noFill/>
-          <a:ln w="9525">
-            <a:noFill/>
-            <a:miter lim="800000"/>
-            <a:headEnd/>
-            <a:tailEnd/>
-          </a:ln>
-        </p:spPr>
-      </p:pic>
-      <p:sp>
-        <p:nvSpPr>
-          <p:cNvPr id="9" name="Rectangle 8"/>
-          <p:cNvSpPr/>
-          <p:nvPr/>
-        </p:nvSpPr>
-        <p:spPr>
-          <a:xfrm>
-            <a:off x="406574" y="836712"/>
-            <a:ext cx="851515" cy="369332"/>
-          </a:xfrm>
-          <a:prstGeom prst="rect">
-            <a:avLst/>
-          </a:prstGeom>
-        </p:spPr>
-        <p:txBody>
-          <a:bodyPr wrap="none">
-            <a:spAutoFit/>
-          </a:bodyPr>
-          <a:lstStyle/>
-          <a:p>
-            <a:r>
-              <a:rPr lang="en-US" dirty="0" smtClean="0">
-                <a:latin typeface="Liberation Mono"/>
-              </a:rPr>
-              <a:t>syntex</a:t>
-            </a:r>
-            <a:endParaRPr lang="en-US" dirty="0"/>
-          </a:p>
-        </p:txBody>
-      </p:sp>
-    </p:spTree>
-    <p:extLst>
-      <p:ext uri="{BB962C8B-B14F-4D97-AF65-F5344CB8AC3E}">
-        <p14:creationId xmlns:p14="http://schemas.microsoft.com/office/powerpoint/2010/main" xmlns="" val="1816086968"/>
-      </p:ext>
-    </p:extLst>
-  </p:cSld>
-  <p:clrMapOvr>
-    <a:masterClrMapping/>
-  </p:clrMapOvr>
-  <p:timing>
-    <p:tnLst>
-      <p:par>
-        <p:cTn id="1" dur="indefinite" restart="never" nodeType="tmRoot">
-          <p:childTnLst>
-            <p:seq concurrent="1" nextAc="seek">
-              <p:cTn id="2" dur="indefinite" nodeType="mainSeq">
-                <p:childTnLst>
-                  <p:par>
-                    <p:cTn id="3" fill="hold">
-                      <p:stCondLst>
-                        <p:cond delay="indefinite"/>
-                      </p:stCondLst>
-                      <p:childTnLst>
-                        <p:par>
-                          <p:cTn id="4" fill="hold">
-                            <p:stCondLst>
-                              <p:cond delay="0"/>
-                            </p:stCondLst>
-                            <p:childTnLst>
-                              <p:par>
-                                <p:cTn id="5" presetID="1" presetClass="entr" presetSubtype="0" fill="hold" grpId="0" nodeType="clickEffect">
-                                  <p:stCondLst>
-                                    <p:cond delay="0"/>
-                                  </p:stCondLst>
-                                  <p:childTnLst>
-                                    <p:set>
-                                      <p:cBhvr>
-                                        <p:cTn id="6" dur="1" fill="hold">
-                                          <p:stCondLst>
-                                            <p:cond delay="0"/>
-                                          </p:stCondLst>
-                                        </p:cTn>
-                                        <p:tgtEl>
-                                          <p:spTgt spid="3"/>
-                                        </p:tgtEl>
-                                        <p:attrNameLst>
-                                          <p:attrName>style.visibility</p:attrName>
-                                        </p:attrNameLst>
-                                      </p:cBhvr>
-                                      <p:to>
-                                        <p:strVal val="visible"/>
-                                      </p:to>
-                                    </p:set>
-                                  </p:childTnLst>
-                                </p:cTn>
-                              </p:par>
-                              <p:par>
-                                <p:cTn id="7" presetID="1" presetClass="entr" presetSubtype="0" fill="hold" nodeType="withEffect">
-                                  <p:stCondLst>
-                                    <p:cond delay="0"/>
-                                  </p:stCondLst>
-                                  <p:childTnLst>
-                                    <p:set>
-                                      <p:cBhvr>
-                                        <p:cTn id="8" dur="1" fill="hold">
-                                          <p:stCondLst>
-                                            <p:cond delay="0"/>
-                                          </p:stCondLst>
-                                        </p:cTn>
-                                        <p:tgtEl>
-                                          <p:spTgt spid="1026"/>
-                                        </p:tgtEl>
-                                        <p:attrNameLst>
-                                          <p:attrName>style.visibility</p:attrName>
-                                        </p:attrNameLst>
-                                      </p:cBhvr>
-                                      <p:to>
-                                        <p:strVal val="visible"/>
-                                      </p:to>
-                                    </p:set>
-                                  </p:childTnLst>
-                                </p:cTn>
-                              </p:par>
-                            </p:childTnLst>
-                          </p:cTn>
-                        </p:par>
-                      </p:childTnLst>
-                    </p:cTn>
-                  </p:par>
-                </p:childTnLst>
-              </p:cTn>
-              <p:prevCondLst>
-                <p:cond evt="onPrev" delay="0">
-                  <p:tgtEl>
-                    <p:sldTgt/>
-                  </p:tgtEl>
-                </p:cond>
-              </p:prevCondLst>
-              <p:nextCondLst>
-                <p:cond evt="onNext" delay="0">
-                  <p:tgtEl>
-                    <p:sldTgt/>
-                  </p:tgtEl>
-                </p:cond>
-              </p:nextCondLst>
-            </p:seq>
-          </p:childTnLst>
-        </p:cTn>
-      </p:par>
-    </p:tnLst>
-    <p:bldLst>
-      <p:bldP spid="3" grpId="0"/>
-    </p:bldLst>
-  </p:timing>
-</p:sld>
-</file>
-
-<file path=ppt/slides/slide5.xml><?xml version="1.0" encoding="utf-8"?>
-<p:sld xmlns:a="http://schemas.openxmlformats.org/drawingml/2006/main" xmlns:r="http://schemas.openxmlformats.org/officeDocument/2006/relationships" xmlns:p="http://schemas.openxmlformats.org/presentationml/2006/main">
-  <p:cSld>
-    <p:spTree>
-      <p:nvGrpSpPr>
-        <p:cNvPr id="1" name=""/>
-        <p:cNvGrpSpPr/>
-        <p:nvPr/>
-      </p:nvGrpSpPr>
-      <p:grpSpPr>
-        <a:xfrm>
-          <a:off x="0" y="0"/>
-          <a:ext cx="0" cy="0"/>
-          <a:chOff x="0" y="0"/>
-          <a:chExt cx="0" cy="0"/>
-        </a:xfrm>
-      </p:grpSpPr>
-      <p:sp>
-        <p:nvSpPr>
-          <p:cNvPr id="7" name="Rectangle 6"/>
-          <p:cNvSpPr/>
-          <p:nvPr/>
-        </p:nvSpPr>
-        <p:spPr>
-          <a:xfrm>
-            <a:off x="406574" y="1196752"/>
-            <a:ext cx="11233030" cy="707886"/>
-          </a:xfrm>
-          <a:prstGeom prst="rect">
-            <a:avLst/>
-          </a:prstGeom>
-        </p:spPr>
-        <p:txBody>
-          <a:bodyPr wrap="square">
-            <a:spAutoFit/>
-          </a:bodyPr>
-          <a:lstStyle/>
-          <a:p>
-            <a:r>
-              <a:rPr lang="en-US" sz="2000" dirty="0">
-                <a:latin typeface="Liberation Mono"/>
-              </a:rPr>
-              <a:t>SELECT column-list from &lt;table_references</a:t>
-            </a:r>
-            <a:r>
-              <a:rPr lang="en-US" sz="2000" dirty="0">
-                <a:uFill>
-                  <a:solidFill>
-                    <a:srgbClr val="FF0000"/>
-                  </a:solidFill>
-                </a:uFill>
-                <a:latin typeface="Liberation Mono"/>
-              </a:rPr>
-              <a:t>&gt; </a:t>
-            </a:r>
-            <a:r>
-              <a:rPr lang="en-US" sz="2000" dirty="0">
-                <a:latin typeface="Liberation Mono"/>
-              </a:rPr>
-              <a:t>[INNER] JOIN &lt;table_references&gt; ON table1.column-name = table2.column-name</a:t>
-            </a:r>
-          </a:p>
-        </p:txBody>
-      </p:sp>
-      <p:pic>
-        <p:nvPicPr>
-          <p:cNvPr id="8" name="Picture 7">
-            <a:extLst>
-              <a:ext uri="{FF2B5EF4-FFF2-40B4-BE49-F238E27FC236}">
-                <a16:creationId xmlns:a16="http://schemas.microsoft.com/office/drawing/2014/main" xmlns="" id="{0F9CE1C2-C3EE-4C9B-8F08-A833D4695BFA}"/>
-              </a:ext>
-            </a:extLst>
-          </p:cNvPr>
-          <p:cNvPicPr>
-            <a:picLocks noChangeAspect="1"/>
-          </p:cNvPicPr>
-          <p:nvPr/>
-        </p:nvPicPr>
-        <p:blipFill>
-          <a:blip r:embed="rId3" cstate="print">
-            <a:extLst>
-              <a:ext uri="{28A0092B-C50C-407E-A947-70E740481C1C}">
-                <a14:useLocalDpi xmlns:a14="http://schemas.microsoft.com/office/drawing/2010/main" xmlns="" val="0"/>
-              </a:ext>
-            </a:extLst>
-          </a:blip>
-          <a:stretch>
-            <a:fillRect/>
-          </a:stretch>
-        </p:blipFill>
-        <p:spPr>
-          <a:xfrm>
-            <a:off x="118542" y="116632"/>
-            <a:ext cx="1371859" cy="445150"/>
-          </a:xfrm>
-          <a:prstGeom prst="rect">
-            <a:avLst/>
-          </a:prstGeom>
-        </p:spPr>
-      </p:pic>
-      <p:sp>
-        <p:nvSpPr>
-          <p:cNvPr id="9" name="Rectangle 8"/>
-          <p:cNvSpPr/>
-          <p:nvPr/>
-        </p:nvSpPr>
-        <p:spPr>
-          <a:xfrm>
-            <a:off x="1523802" y="2"/>
-            <a:ext cx="9142810" cy="584775"/>
-          </a:xfrm>
-          <a:prstGeom prst="rect">
-            <a:avLst/>
-          </a:prstGeom>
-          <a:solidFill>
-            <a:schemeClr val="bg1"/>
-          </a:solidFill>
-        </p:spPr>
-        <p:txBody>
-          <a:bodyPr wrap="square">
-            <a:spAutoFit/>
-          </a:bodyPr>
-          <a:lstStyle/>
-          <a:p>
-            <a:pPr algn="r"/>
-            <a:r>
-              <a:rPr lang="en-US" sz="3200" b="1" i="1" dirty="0" smtClean="0">
-                <a:latin typeface="Arial" pitchFamily="34" charset="0"/>
-                <a:cs typeface="Arial" pitchFamily="34" charset="0"/>
-              </a:rPr>
-              <a:t>inner join</a:t>
-            </a:r>
-            <a:endParaRPr lang="en-IN" sz="3200" b="1" i="1" dirty="0">
-              <a:latin typeface="Arial" pitchFamily="34" charset="0"/>
-              <a:cs typeface="Arial" pitchFamily="34" charset="0"/>
-            </a:endParaRPr>
-          </a:p>
-        </p:txBody>
-      </p:sp>
-      <p:sp>
-        <p:nvSpPr>
-          <p:cNvPr id="13" name="Rectangle 12"/>
-          <p:cNvSpPr/>
-          <p:nvPr/>
-        </p:nvSpPr>
-        <p:spPr>
-          <a:xfrm>
-            <a:off x="406574" y="836712"/>
-            <a:ext cx="851515" cy="369332"/>
-          </a:xfrm>
-          <a:prstGeom prst="rect">
-            <a:avLst/>
-          </a:prstGeom>
-        </p:spPr>
-        <p:txBody>
-          <a:bodyPr wrap="none">
-            <a:spAutoFit/>
-          </a:bodyPr>
-          <a:lstStyle/>
-          <a:p>
-            <a:r>
-              <a:rPr lang="en-US" dirty="0" smtClean="0">
-                <a:latin typeface="Liberation Mono"/>
-              </a:rPr>
-              <a:t>syntex</a:t>
-            </a:r>
-            <a:endParaRPr lang="en-US" dirty="0"/>
-          </a:p>
-        </p:txBody>
-      </p:sp>
-      <p:sp>
-        <p:nvSpPr>
-          <p:cNvPr id="14" name="Rectangle 13"/>
-          <p:cNvSpPr/>
-          <p:nvPr/>
-        </p:nvSpPr>
-        <p:spPr>
-          <a:xfrm>
-            <a:off x="202398" y="2204864"/>
-            <a:ext cx="11444604" cy="646331"/>
-          </a:xfrm>
-          <a:prstGeom prst="rect">
-            <a:avLst/>
-          </a:prstGeom>
-        </p:spPr>
-        <p:txBody>
-          <a:bodyPr wrap="square">
-            <a:spAutoFit/>
-          </a:bodyPr>
-          <a:lstStyle/>
-          <a:p>
-            <a:pPr marL="285750" indent="-285750">
-              <a:buFont typeface="Arial" panose="020B0604020202020204" pitchFamily="34" charset="0"/>
-              <a:buChar char="•"/>
-            </a:pPr>
-            <a:r>
-              <a:rPr lang="en-US" dirty="0">
-                <a:latin typeface="Arial" panose="020B0604020202020204" pitchFamily="34" charset="0"/>
-                <a:ea typeface="Times New Roman" panose="02020603050405020304" pitchFamily="18" charset="0"/>
-                <a:cs typeface="Arial" panose="020B0604020202020204" pitchFamily="34" charset="0"/>
-              </a:rPr>
-              <a:t>SELECT</a:t>
-            </a:r>
-            <a:r>
-              <a:rPr lang="en-US" dirty="0">
-                <a:latin typeface="Arial" panose="020B0604020202020204" pitchFamily="34" charset="0"/>
-                <a:cs typeface="Arial" panose="020B0604020202020204" pitchFamily="34" charset="0"/>
-              </a:rPr>
-              <a:t> </a:t>
-            </a:r>
-            <a:r>
-              <a:rPr lang="en-US" dirty="0" smtClean="0">
-                <a:latin typeface="Arial" panose="020B0604020202020204" pitchFamily="34" charset="0"/>
-                <a:cs typeface="Arial" panose="020B0604020202020204" pitchFamily="34" charset="0"/>
-              </a:rPr>
-              <a:t>s.ID, s.nameFirst,s.nameLast, a.address </a:t>
-            </a:r>
-            <a:r>
-              <a:rPr lang="en-US" dirty="0">
-                <a:latin typeface="Arial" panose="020B0604020202020204" pitchFamily="34" charset="0"/>
-                <a:ea typeface="Times New Roman" panose="02020603050405020304" pitchFamily="18" charset="0"/>
-                <a:cs typeface="Arial" panose="020B0604020202020204" pitchFamily="34" charset="0"/>
-              </a:rPr>
-              <a:t>FROM</a:t>
-            </a:r>
-            <a:r>
-              <a:rPr lang="en-US" dirty="0">
-                <a:latin typeface="Arial" panose="020B0604020202020204" pitchFamily="34" charset="0"/>
-                <a:cs typeface="Arial" panose="020B0604020202020204" pitchFamily="34" charset="0"/>
-              </a:rPr>
-              <a:t> </a:t>
-            </a:r>
-            <a:r>
-              <a:rPr lang="en-IN" dirty="0">
-                <a:latin typeface="Arial" panose="020B0604020202020204" pitchFamily="34" charset="0"/>
-              </a:rPr>
-              <a:t>student </a:t>
-            </a:r>
-            <a:r>
-              <a:rPr lang="en-IN" dirty="0" smtClean="0">
-                <a:latin typeface="Arial" panose="020B0604020202020204" pitchFamily="34" charset="0"/>
-              </a:rPr>
-              <a:t>s </a:t>
-            </a:r>
-            <a:r>
-              <a:rPr lang="en-IN" b="1" dirty="0" smtClean="0">
-                <a:latin typeface="Arial" panose="020B0604020202020204" pitchFamily="34" charset="0"/>
-              </a:rPr>
-              <a:t>INNER JOIN</a:t>
-            </a:r>
-            <a:r>
-              <a:rPr lang="en-US" dirty="0" smtClean="0">
-                <a:latin typeface="Arial" panose="020B0604020202020204" pitchFamily="34" charset="0"/>
-                <a:cs typeface="Arial" panose="020B0604020202020204" pitchFamily="34" charset="0"/>
-              </a:rPr>
-              <a:t> </a:t>
-            </a:r>
-            <a:r>
-              <a:rPr lang="en-IN" dirty="0">
-                <a:latin typeface="Arial" panose="020B0604020202020204" pitchFamily="34" charset="0"/>
-              </a:rPr>
-              <a:t>student_</a:t>
-            </a:r>
-            <a:r>
-              <a:rPr lang="en-US" dirty="0">
-                <a:latin typeface="Arial" panose="020B0604020202020204" pitchFamily="34" charset="0"/>
-                <a:cs typeface="Arial" panose="020B0604020202020204" pitchFamily="34" charset="0"/>
-              </a:rPr>
-              <a:t>address a </a:t>
-            </a:r>
-            <a:r>
-              <a:rPr lang="en-US" b="1" dirty="0" smtClean="0">
-                <a:latin typeface="Arial" panose="020B0604020202020204" pitchFamily="34" charset="0"/>
-              </a:rPr>
-              <a:t>ON</a:t>
-            </a:r>
-            <a:r>
-              <a:rPr lang="en-US" dirty="0" smtClean="0">
-                <a:latin typeface="Arial" panose="020B0604020202020204" pitchFamily="34" charset="0"/>
-                <a:cs typeface="Arial" panose="020B0604020202020204" pitchFamily="34" charset="0"/>
-              </a:rPr>
-              <a:t> </a:t>
-            </a:r>
-            <a:r>
-              <a:rPr lang="en-US" dirty="0">
-                <a:latin typeface="Arial" panose="020B0604020202020204" pitchFamily="34" charset="0"/>
-                <a:cs typeface="Arial" panose="020B0604020202020204" pitchFamily="34" charset="0"/>
-              </a:rPr>
-              <a:t>s.ID = a.</a:t>
-            </a:r>
-            <a:r>
-              <a:rPr lang="en-IN" dirty="0">
-                <a:latin typeface="Arial" panose="020B0604020202020204" pitchFamily="34" charset="0"/>
-              </a:rPr>
-              <a:t>studentID</a:t>
-            </a:r>
-            <a:r>
-              <a:rPr lang="en-US" dirty="0">
-                <a:latin typeface="Arial" panose="020B0604020202020204" pitchFamily="34" charset="0"/>
-                <a:cs typeface="Arial" panose="020B0604020202020204" pitchFamily="34" charset="0"/>
-              </a:rPr>
-              <a:t>;</a:t>
-            </a:r>
-          </a:p>
-        </p:txBody>
-      </p:sp>
-      <p:pic>
-        <p:nvPicPr>
-          <p:cNvPr id="15" name="Picture 2"/>
-          <p:cNvPicPr>
-            <a:picLocks noChangeAspect="1" noChangeArrowheads="1"/>
-          </p:cNvPicPr>
-          <p:nvPr/>
-        </p:nvPicPr>
-        <p:blipFill>
-          <a:blip r:embed="rId4" cstate="print"/>
-          <a:srcRect/>
-          <a:stretch>
-            <a:fillRect/>
-          </a:stretch>
-        </p:blipFill>
-        <p:spPr bwMode="auto">
-          <a:xfrm>
-            <a:off x="334566" y="3025988"/>
-            <a:ext cx="11474172" cy="3168352"/>
-          </a:xfrm>
-          <a:prstGeom prst="rect">
-            <a:avLst/>
-          </a:prstGeom>
-          <a:noFill/>
-          <a:ln w="9525">
-            <a:noFill/>
-            <a:miter lim="800000"/>
-            <a:headEnd/>
-            <a:tailEnd/>
-          </a:ln>
-        </p:spPr>
-      </p:pic>
-    </p:spTree>
-    <p:extLst>
-      <p:ext uri="{BB962C8B-B14F-4D97-AF65-F5344CB8AC3E}">
-        <p14:creationId xmlns:p14="http://schemas.microsoft.com/office/powerpoint/2010/main" xmlns="" val="3295181206"/>
-      </p:ext>
-    </p:extLst>
-  </p:cSld>
-  <p:clrMapOvr>
-    <a:masterClrMapping/>
-  </p:clrMapOvr>
-  <p:timing>
-    <p:tnLst>
-      <p:par>
-        <p:cTn id="1" dur="indefinite" restart="never" nodeType="tmRoot">
-          <p:childTnLst>
-            <p:seq concurrent="1" nextAc="seek">
-              <p:cTn id="2" dur="indefinite" nodeType="mainSeq">
-                <p:childTnLst>
-                  <p:par>
-                    <p:cTn id="3" fill="hold">
-                      <p:stCondLst>
-                        <p:cond delay="indefinite"/>
-                      </p:stCondLst>
-                      <p:childTnLst>
-                        <p:par>
-                          <p:cTn id="4" fill="hold">
-                            <p:stCondLst>
-                              <p:cond delay="0"/>
-                            </p:stCondLst>
-                            <p:childTnLst>
-                              <p:par>
-                                <p:cTn id="5" presetID="1" presetClass="entr" presetSubtype="0" fill="hold" grpId="0" nodeType="clickEffect">
-                                  <p:stCondLst>
-                                    <p:cond delay="0"/>
-                                  </p:stCondLst>
-                                  <p:childTnLst>
-                                    <p:set>
-                                      <p:cBhvr>
-                                        <p:cTn id="6" dur="1" fill="hold">
-                                          <p:stCondLst>
-                                            <p:cond delay="0"/>
-                                          </p:stCondLst>
-                                        </p:cTn>
-                                        <p:tgtEl>
-                                          <p:spTgt spid="14"/>
-                                        </p:tgtEl>
-                                        <p:attrNameLst>
-                                          <p:attrName>style.visibility</p:attrName>
-                                        </p:attrNameLst>
-                                      </p:cBhvr>
-                                      <p:to>
-                                        <p:strVal val="visible"/>
-                                      </p:to>
-                                    </p:set>
-                                  </p:childTnLst>
-                                </p:cTn>
-                              </p:par>
-                              <p:par>
-                                <p:cTn id="7" presetID="1" presetClass="entr" presetSubtype="0" fill="hold" nodeType="withEffect">
-                                  <p:stCondLst>
-                                    <p:cond delay="0"/>
-                                  </p:stCondLst>
-                                  <p:childTnLst>
-                                    <p:set>
-                                      <p:cBhvr>
-                                        <p:cTn id="8" dur="1" fill="hold">
-                                          <p:stCondLst>
-                                            <p:cond delay="0"/>
-                                          </p:stCondLst>
-                                        </p:cTn>
-                                        <p:tgtEl>
-                                          <p:spTgt spid="15"/>
-                                        </p:tgtEl>
-                                        <p:attrNameLst>
-                                          <p:attrName>style.visibility</p:attrName>
-                                        </p:attrNameLst>
-                                      </p:cBhvr>
-                                      <p:to>
-                                        <p:strVal val="visible"/>
-                                      </p:to>
-                                    </p:set>
-                                  </p:childTnLst>
-                                </p:cTn>
-                              </p:par>
-                            </p:childTnLst>
-                          </p:cTn>
-                        </p:par>
-                      </p:childTnLst>
-                    </p:cTn>
-                  </p:par>
-                </p:childTnLst>
-              </p:cTn>
-              <p:prevCondLst>
-                <p:cond evt="onPrev" delay="0">
-                  <p:tgtEl>
-                    <p:sldTgt/>
-                  </p:tgtEl>
-                </p:cond>
-              </p:prevCondLst>
-              <p:nextCondLst>
-                <p:cond evt="onNext" delay="0">
-                  <p:tgtEl>
-                    <p:sldTgt/>
-                  </p:tgtEl>
-                </p:cond>
-              </p:nextCondLst>
-            </p:seq>
-          </p:childTnLst>
-        </p:cTn>
-      </p:par>
-    </p:tnLst>
-    <p:bldLst>
-      <p:bldP spid="14" grpId="0"/>
-    </p:bldLst>
   </p:timing>
 </p:sld>
 </file>

--- a/Video Ver1/Video PPT/29. Inner-equi Joins.pptx
+++ b/Video Ver1/Video PPT/29. Inner-equi Joins.pptx
@@ -5,14 +5,15 @@
     <p:sldMasterId id="2147483648" r:id="rId1"/>
   </p:sldMasterIdLst>
   <p:notesMasterIdLst>
-    <p:notesMasterId r:id="rId7"/>
+    <p:notesMasterId r:id="rId8"/>
   </p:notesMasterIdLst>
   <p:sldIdLst>
     <p:sldId id="507" r:id="rId2"/>
-    <p:sldId id="508" r:id="rId3"/>
-    <p:sldId id="502" r:id="rId4"/>
-    <p:sldId id="506" r:id="rId5"/>
-    <p:sldId id="509" r:id="rId6"/>
+    <p:sldId id="510" r:id="rId3"/>
+    <p:sldId id="508" r:id="rId4"/>
+    <p:sldId id="502" r:id="rId5"/>
+    <p:sldId id="506" r:id="rId6"/>
+    <p:sldId id="509" r:id="rId7"/>
   </p:sldIdLst>
   <p:sldSz cx="12190413" cy="6858000"/>
   <p:notesSz cx="6858000" cy="9144000"/>
@@ -262,7 +263,7 @@
             <a:fld id="{4DF51050-3720-483B-B552-57DC1341D582}" type="datetimeFigureOut">
               <a:rPr lang="en-US" smtClean="0"/>
               <a:pPr/>
-              <a:t>6/15/2020</a:t>
+              <a:t>6/22/2020</a:t>
             </a:fld>
             <a:endParaRPr lang="en-US"/>
           </a:p>
@@ -598,7 +599,7 @@
             <a:fld id="{A7AC5AE1-8B73-453E-AD5C-7AC64EE599C7}" type="slidenum">
               <a:rPr lang="en-IN" smtClean="0"/>
               <a:pPr/>
-              <a:t>4</a:t>
+              <a:t>5</a:t>
             </a:fld>
             <a:endParaRPr lang="en-IN"/>
           </a:p>
@@ -811,7 +812,7 @@
             <a:fld id="{EEE556E8-492E-4E8F-8E7F-7A7787724D01}" type="datetimeFigureOut">
               <a:rPr lang="en-US" smtClean="0"/>
               <a:pPr/>
-              <a:t>6/15/2020</a:t>
+              <a:t>6/22/2020</a:t>
             </a:fld>
             <a:endParaRPr lang="en-US"/>
           </a:p>
@@ -1016,7 +1017,7 @@
             <a:fld id="{EEE556E8-492E-4E8F-8E7F-7A7787724D01}" type="datetimeFigureOut">
               <a:rPr lang="en-US" smtClean="0"/>
               <a:pPr/>
-              <a:t>6/15/2020</a:t>
+              <a:t>6/22/2020</a:t>
             </a:fld>
             <a:endParaRPr lang="en-US"/>
           </a:p>
@@ -1221,7 +1222,7 @@
             <a:fld id="{EEE556E8-492E-4E8F-8E7F-7A7787724D01}" type="datetimeFigureOut">
               <a:rPr lang="en-US" smtClean="0"/>
               <a:pPr/>
-              <a:t>6/15/2020</a:t>
+              <a:t>6/22/2020</a:t>
             </a:fld>
             <a:endParaRPr lang="en-US"/>
           </a:p>
@@ -1426,7 +1427,7 @@
             <a:fld id="{EEE556E8-492E-4E8F-8E7F-7A7787724D01}" type="datetimeFigureOut">
               <a:rPr lang="en-US" smtClean="0"/>
               <a:pPr/>
-              <a:t>6/15/2020</a:t>
+              <a:t>6/22/2020</a:t>
             </a:fld>
             <a:endParaRPr lang="en-US"/>
           </a:p>
@@ -1698,7 +1699,7 @@
             <a:fld id="{EEE556E8-492E-4E8F-8E7F-7A7787724D01}" type="datetimeFigureOut">
               <a:rPr lang="en-US" smtClean="0"/>
               <a:pPr/>
-              <a:t>6/15/2020</a:t>
+              <a:t>6/22/2020</a:t>
             </a:fld>
             <a:endParaRPr lang="en-US"/>
           </a:p>
@@ -2018,7 +2019,7 @@
             <a:fld id="{EEE556E8-492E-4E8F-8E7F-7A7787724D01}" type="datetimeFigureOut">
               <a:rPr lang="en-US" smtClean="0"/>
               <a:pPr/>
-              <a:t>6/15/2020</a:t>
+              <a:t>6/22/2020</a:t>
             </a:fld>
             <a:endParaRPr lang="en-US"/>
           </a:p>
@@ -2478,7 +2479,7 @@
             <a:fld id="{EEE556E8-492E-4E8F-8E7F-7A7787724D01}" type="datetimeFigureOut">
               <a:rPr lang="en-US" smtClean="0"/>
               <a:pPr/>
-              <a:t>6/15/2020</a:t>
+              <a:t>6/22/2020</a:t>
             </a:fld>
             <a:endParaRPr lang="en-US"/>
           </a:p>
@@ -2624,7 +2625,7 @@
             <a:fld id="{EEE556E8-492E-4E8F-8E7F-7A7787724D01}" type="datetimeFigureOut">
               <a:rPr lang="en-US" smtClean="0"/>
               <a:pPr/>
-              <a:t>6/15/2020</a:t>
+              <a:t>6/22/2020</a:t>
             </a:fld>
             <a:endParaRPr lang="en-US"/>
           </a:p>
@@ -2954,7 +2955,7 @@
             <a:fld id="{EEE556E8-492E-4E8F-8E7F-7A7787724D01}" type="datetimeFigureOut">
               <a:rPr lang="en-US" smtClean="0"/>
               <a:pPr/>
-              <a:t>6/15/2020</a:t>
+              <a:t>6/22/2020</a:t>
             </a:fld>
             <a:endParaRPr lang="en-US"/>
           </a:p>
@@ -3236,7 +3237,7 @@
             <a:fld id="{EEE556E8-492E-4E8F-8E7F-7A7787724D01}" type="datetimeFigureOut">
               <a:rPr lang="en-US" smtClean="0"/>
               <a:pPr/>
-              <a:t>6/15/2020</a:t>
+              <a:t>6/22/2020</a:t>
             </a:fld>
             <a:endParaRPr lang="en-US"/>
           </a:p>
@@ -3828,6 +3829,254 @@
           </a:p>
         </p:txBody>
       </p:sp>
+    </p:spTree>
+    <p:extLst>
+      <p:ext uri="{BB962C8B-B14F-4D97-AF65-F5344CB8AC3E}">
+        <p14:creationId xmlns="" xmlns:p14="http://schemas.microsoft.com/office/powerpoint/2010/main" val="4253925860"/>
+      </p:ext>
+    </p:extLst>
+  </p:cSld>
+  <p:clrMapOvr>
+    <a:masterClrMapping/>
+  </p:clrMapOvr>
+  <p:timing>
+    <p:tnLst>
+      <p:par>
+        <p:cTn id="1" dur="indefinite" restart="never" nodeType="tmRoot"/>
+      </p:par>
+    </p:tnLst>
+  </p:timing>
+</p:sld>
+</file>
+
+<file path=ppt/slides/slide2.xml><?xml version="1.0" encoding="utf-8"?>
+<p:sld xmlns:a="http://schemas.openxmlformats.org/drawingml/2006/main" xmlns:r="http://schemas.openxmlformats.org/officeDocument/2006/relationships" xmlns:p="http://schemas.openxmlformats.org/presentationml/2006/main">
+  <p:cSld>
+    <p:spTree>
+      <p:nvGrpSpPr>
+        <p:cNvPr id="1" name=""/>
+        <p:cNvGrpSpPr/>
+        <p:nvPr/>
+      </p:nvGrpSpPr>
+      <p:grpSpPr>
+        <a:xfrm>
+          <a:off x="0" y="0"/>
+          <a:ext cx="0" cy="0"/>
+          <a:chOff x="0" y="0"/>
+          <a:chExt cx="0" cy="0"/>
+        </a:xfrm>
+      </p:grpSpPr>
+      <p:sp>
+        <p:nvSpPr>
+          <p:cNvPr id="2" name="Title 1"/>
+          <p:cNvSpPr txBox="1">
+            <a:spLocks/>
+          </p:cNvSpPr>
+          <p:nvPr/>
+        </p:nvSpPr>
+        <p:spPr>
+          <a:xfrm>
+            <a:off x="1558702" y="2370584"/>
+            <a:ext cx="8838049" cy="914400"/>
+          </a:xfrm>
+          <a:prstGeom prst="rect">
+            <a:avLst/>
+          </a:prstGeom>
+        </p:spPr>
+        <p:txBody>
+          <a:bodyPr>
+            <a:normAutofit/>
+          </a:bodyPr>
+          <a:lstStyle/>
+          <a:p>
+            <a:pPr algn="ctr">
+              <a:spcBef>
+                <a:spcPct val="0"/>
+              </a:spcBef>
+              <a:defRPr/>
+            </a:pPr>
+            <a:r>
+              <a:rPr lang="en-US" sz="4800" dirty="0" smtClean="0">
+                <a:latin typeface="Segoe UI Light" panose="020B0502040204020203" pitchFamily="34" charset="0"/>
+                <a:cs typeface="Segoe UI Light" panose="020B0502040204020203" pitchFamily="34" charset="0"/>
+              </a:rPr>
+              <a:t>inner/ equi Join</a:t>
+            </a:r>
+            <a:endParaRPr lang="en-US" sz="4800" dirty="0">
+              <a:latin typeface="Segoe UI Light" panose="020B0502040204020203" pitchFamily="34" charset="0"/>
+              <a:cs typeface="Segoe UI Light" panose="020B0502040204020203" pitchFamily="34" charset="0"/>
+            </a:endParaRPr>
+          </a:p>
+        </p:txBody>
+      </p:sp>
+      <p:pic>
+        <p:nvPicPr>
+          <p:cNvPr id="3" name="Picture 2">
+            <a:extLst>
+              <a:ext uri="{FF2B5EF4-FFF2-40B4-BE49-F238E27FC236}">
+                <a16:creationId xmlns="" xmlns:a16="http://schemas.microsoft.com/office/drawing/2014/main" id="{41A85463-8A73-4AAF-B006-A8206B2E4A66}"/>
+              </a:ext>
+            </a:extLst>
+          </p:cNvPr>
+          <p:cNvPicPr>
+            <a:picLocks noChangeAspect="1"/>
+          </p:cNvPicPr>
+          <p:nvPr/>
+        </p:nvPicPr>
+        <p:blipFill>
+          <a:blip r:embed="rId2" cstate="print">
+            <a:extLst>
+              <a:ext uri="{28A0092B-C50C-407E-A947-70E740481C1C}">
+                <a14:useLocalDpi xmlns="" xmlns:a14="http://schemas.microsoft.com/office/drawing/2010/main" val="0"/>
+              </a:ext>
+            </a:extLst>
+          </a:blip>
+          <a:stretch>
+            <a:fillRect/>
+          </a:stretch>
+        </p:blipFill>
+        <p:spPr>
+          <a:xfrm>
+            <a:off x="118542" y="116632"/>
+            <a:ext cx="1371859" cy="445150"/>
+          </a:xfrm>
+          <a:prstGeom prst="rect">
+            <a:avLst/>
+          </a:prstGeom>
+        </p:spPr>
+      </p:pic>
+      <p:sp>
+        <p:nvSpPr>
+          <p:cNvPr id="4" name="Footer Placeholder 2">
+            <a:extLst>
+              <a:ext uri="{FF2B5EF4-FFF2-40B4-BE49-F238E27FC236}">
+                <a16:creationId xmlns="" xmlns:a16="http://schemas.microsoft.com/office/drawing/2014/main" id="{4610B96E-6F6B-4597-8ADF-B68C8A17E820}"/>
+              </a:ext>
+            </a:extLst>
+          </p:cNvPr>
+          <p:cNvSpPr txBox="1">
+            <a:spLocks/>
+          </p:cNvSpPr>
+          <p:nvPr/>
+        </p:nvSpPr>
+        <p:spPr>
+          <a:xfrm>
+            <a:off x="3237431" y="6523037"/>
+            <a:ext cx="5400600" cy="365125"/>
+          </a:xfrm>
+          <a:prstGeom prst="rect">
+            <a:avLst/>
+          </a:prstGeom>
+        </p:spPr>
+        <p:txBody>
+          <a:bodyPr/>
+          <a:lstStyle>
+            <a:defPPr>
+              <a:defRPr lang="en-US"/>
+            </a:defPPr>
+            <a:lvl1pPr marL="0" algn="l" defTabSz="914400" rtl="0" eaLnBrk="1" latinLnBrk="0" hangingPunct="1">
+              <a:defRPr sz="1050" kern="1200">
+                <a:solidFill>
+                  <a:schemeClr val="tx1"/>
+                </a:solidFill>
+                <a:latin typeface="+mn-lt"/>
+                <a:ea typeface="+mn-ea"/>
+                <a:cs typeface="+mn-cs"/>
+              </a:defRPr>
+            </a:lvl1pPr>
+            <a:lvl2pPr marL="457200" algn="l" defTabSz="914400" rtl="0" eaLnBrk="1" latinLnBrk="0" hangingPunct="1">
+              <a:defRPr sz="1800" kern="1200">
+                <a:solidFill>
+                  <a:schemeClr val="tx1"/>
+                </a:solidFill>
+                <a:latin typeface="+mn-lt"/>
+                <a:ea typeface="+mn-ea"/>
+                <a:cs typeface="+mn-cs"/>
+              </a:defRPr>
+            </a:lvl2pPr>
+            <a:lvl3pPr marL="914400" algn="l" defTabSz="914400" rtl="0" eaLnBrk="1" latinLnBrk="0" hangingPunct="1">
+              <a:defRPr sz="1800" kern="1200">
+                <a:solidFill>
+                  <a:schemeClr val="tx1"/>
+                </a:solidFill>
+                <a:latin typeface="+mn-lt"/>
+                <a:ea typeface="+mn-ea"/>
+                <a:cs typeface="+mn-cs"/>
+              </a:defRPr>
+            </a:lvl3pPr>
+            <a:lvl4pPr marL="1371600" algn="l" defTabSz="914400" rtl="0" eaLnBrk="1" latinLnBrk="0" hangingPunct="1">
+              <a:defRPr sz="1800" kern="1200">
+                <a:solidFill>
+                  <a:schemeClr val="tx1"/>
+                </a:solidFill>
+                <a:latin typeface="+mn-lt"/>
+                <a:ea typeface="+mn-ea"/>
+                <a:cs typeface="+mn-cs"/>
+              </a:defRPr>
+            </a:lvl4pPr>
+            <a:lvl5pPr marL="1828800" algn="l" defTabSz="914400" rtl="0" eaLnBrk="1" latinLnBrk="0" hangingPunct="1">
+              <a:defRPr sz="1800" kern="1200">
+                <a:solidFill>
+                  <a:schemeClr val="tx1"/>
+                </a:solidFill>
+                <a:latin typeface="+mn-lt"/>
+                <a:ea typeface="+mn-ea"/>
+                <a:cs typeface="+mn-cs"/>
+              </a:defRPr>
+            </a:lvl5pPr>
+            <a:lvl6pPr marL="2286000" algn="l" defTabSz="914400" rtl="0" eaLnBrk="1" latinLnBrk="0" hangingPunct="1">
+              <a:defRPr sz="1800" kern="1200">
+                <a:solidFill>
+                  <a:schemeClr val="tx1"/>
+                </a:solidFill>
+                <a:latin typeface="+mn-lt"/>
+                <a:ea typeface="+mn-ea"/>
+                <a:cs typeface="+mn-cs"/>
+              </a:defRPr>
+            </a:lvl6pPr>
+            <a:lvl7pPr marL="2743200" algn="l" defTabSz="914400" rtl="0" eaLnBrk="1" latinLnBrk="0" hangingPunct="1">
+              <a:defRPr sz="1800" kern="1200">
+                <a:solidFill>
+                  <a:schemeClr val="tx1"/>
+                </a:solidFill>
+                <a:latin typeface="+mn-lt"/>
+                <a:ea typeface="+mn-ea"/>
+                <a:cs typeface="+mn-cs"/>
+              </a:defRPr>
+            </a:lvl7pPr>
+            <a:lvl8pPr marL="3200400" algn="l" defTabSz="914400" rtl="0" eaLnBrk="1" latinLnBrk="0" hangingPunct="1">
+              <a:defRPr sz="1800" kern="1200">
+                <a:solidFill>
+                  <a:schemeClr val="tx1"/>
+                </a:solidFill>
+                <a:latin typeface="+mn-lt"/>
+                <a:ea typeface="+mn-ea"/>
+                <a:cs typeface="+mn-cs"/>
+              </a:defRPr>
+            </a:lvl8pPr>
+            <a:lvl9pPr marL="3657600" algn="l" defTabSz="914400" rtl="0" eaLnBrk="1" latinLnBrk="0" hangingPunct="1">
+              <a:defRPr sz="1800" kern="1200">
+                <a:solidFill>
+                  <a:schemeClr val="tx1"/>
+                </a:solidFill>
+                <a:latin typeface="+mn-lt"/>
+                <a:ea typeface="+mn-ea"/>
+                <a:cs typeface="+mn-cs"/>
+              </a:defRPr>
+            </a:lvl9pPr>
+          </a:lstStyle>
+          <a:p>
+            <a:r>
+              <a:rPr lang="en-US" dirty="0"/>
+              <a:t>Infoway Technologies, 3rd  Floor Commerce Centre, Rambaug Colony, Paud Road Pune 411038</a:t>
+            </a:r>
+            <a:endParaRPr lang="en-IN" dirty="0"/>
+          </a:p>
+          <a:p>
+            <a:endParaRPr lang="en-US" dirty="0"/>
+          </a:p>
+        </p:txBody>
+      </p:sp>
       <p:sp>
         <p:nvSpPr>
           <p:cNvPr id="9" name="Rectangle 8"/>
@@ -4199,7 +4448,7 @@
 </p:sld>
 </file>
 
-<file path=ppt/slides/slide2.xml><?xml version="1.0" encoding="utf-8"?>
+<file path=ppt/slides/slide3.xml><?xml version="1.0" encoding="utf-8"?>
 <p:sld xmlns:a="http://schemas.openxmlformats.org/drawingml/2006/main" xmlns:r="http://schemas.openxmlformats.org/officeDocument/2006/relationships" xmlns:p="http://schemas.openxmlformats.org/presentationml/2006/main">
   <p:cSld>
     <p:spTree>
@@ -4537,6 +4786,45 @@
           </a:prstGeom>
         </p:spPr>
       </p:pic>
+      <p:sp>
+        <p:nvSpPr>
+          <p:cNvPr id="7" name="Rectangle 6"/>
+          <p:cNvSpPr/>
+          <p:nvPr/>
+        </p:nvSpPr>
+        <p:spPr>
+          <a:xfrm>
+            <a:off x="1523802" y="2"/>
+            <a:ext cx="9142810" cy="584775"/>
+          </a:xfrm>
+          <a:prstGeom prst="rect">
+            <a:avLst/>
+          </a:prstGeom>
+          <a:solidFill>
+            <a:schemeClr val="bg1"/>
+          </a:solidFill>
+        </p:spPr>
+        <p:txBody>
+          <a:bodyPr wrap="square">
+            <a:spAutoFit/>
+          </a:bodyPr>
+          <a:lstStyle/>
+          <a:p>
+            <a:pPr algn="r"/>
+            <a:r>
+              <a:rPr lang="en-US" sz="3200" b="1" i="1" dirty="0" smtClean="0">
+                <a:latin typeface="Arial" pitchFamily="34" charset="0"/>
+                <a:cs typeface="Arial" pitchFamily="34" charset="0"/>
+              </a:rPr>
+              <a:t>equi join example</a:t>
+            </a:r>
+            <a:endParaRPr lang="en-IN" sz="3200" b="1" i="1" dirty="0">
+              <a:latin typeface="Arial" pitchFamily="34" charset="0"/>
+              <a:cs typeface="Arial" pitchFamily="34" charset="0"/>
+            </a:endParaRPr>
+          </a:p>
+        </p:txBody>
+      </p:sp>
     </p:spTree>
     <p:extLst>
       <p:ext uri="{BB962C8B-B14F-4D97-AF65-F5344CB8AC3E}">
@@ -4557,7 +4845,7 @@
 </p:sld>
 </file>
 
-<file path=ppt/slides/slide3.xml><?xml version="1.0" encoding="utf-8"?>
+<file path=ppt/slides/slide4.xml><?xml version="1.0" encoding="utf-8"?>
 <p:sld xmlns:a="http://schemas.openxmlformats.org/drawingml/2006/main" xmlns:r="http://schemas.openxmlformats.org/officeDocument/2006/relationships" xmlns:p="http://schemas.openxmlformats.org/presentationml/2006/main">
   <p:cSld>
     <p:spTree>
@@ -4604,14 +4892,7 @@
                 <a:latin typeface="Arial" pitchFamily="34" charset="0"/>
                 <a:cs typeface="Arial" pitchFamily="34" charset="0"/>
               </a:rPr>
-              <a:t>equi </a:t>
-            </a:r>
-            <a:r>
-              <a:rPr lang="en-US" sz="3200" b="1" i="1" dirty="0">
-                <a:latin typeface="Arial" pitchFamily="34" charset="0"/>
-                <a:cs typeface="Arial" pitchFamily="34" charset="0"/>
-              </a:rPr>
-              <a:t>join</a:t>
+              <a:t>equi join</a:t>
             </a:r>
             <a:endParaRPr lang="en-IN" sz="3200" b="1" i="1" dirty="0">
               <a:latin typeface="Arial" pitchFamily="34" charset="0"/>
@@ -4860,7 +5141,7 @@
               <a:rPr lang="en-US" dirty="0" smtClean="0">
                 <a:latin typeface="Liberation Mono"/>
               </a:rPr>
-              <a:t>syntex</a:t>
+              <a:t>syntax</a:t>
             </a:r>
             <a:endParaRPr lang="en-US" dirty="0"/>
           </a:p>
@@ -4984,7 +5265,7 @@
 </p:sld>
 </file>
 
-<file path=ppt/slides/slide4.xml><?xml version="1.0" encoding="utf-8"?>
+<file path=ppt/slides/slide5.xml><?xml version="1.0" encoding="utf-8"?>
 <p:sld xmlns:a="http://schemas.openxmlformats.org/drawingml/2006/main" xmlns:r="http://schemas.openxmlformats.org/officeDocument/2006/relationships" xmlns:p="http://schemas.openxmlformats.org/presentationml/2006/main">
   <p:cSld>
     <p:spTree>
@@ -5148,7 +5429,7 @@
               <a:rPr lang="en-US" dirty="0" smtClean="0">
                 <a:latin typeface="Liberation Mono"/>
               </a:rPr>
-              <a:t>syntex</a:t>
+              <a:t>syntax</a:t>
             </a:r>
             <a:endParaRPr lang="en-US" dirty="0"/>
           </a:p>
@@ -5440,7 +5721,7 @@
 </p:sld>
 </file>
 
-<file path=ppt/slides/slide5.xml><?xml version="1.0" encoding="utf-8"?>
+<file path=ppt/slides/slide6.xml><?xml version="1.0" encoding="utf-8"?>
 <p:sld xmlns:a="http://schemas.openxmlformats.org/drawingml/2006/main" xmlns:r="http://schemas.openxmlformats.org/officeDocument/2006/relationships" xmlns:p="http://schemas.openxmlformats.org/presentationml/2006/main">
   <p:cSld>
     <p:spTree>
